--- a/docs/diagrams/LogicComponentClassDiagram.pptx
+++ b/docs/diagrams/LogicComponentClassDiagram.pptx
@@ -1,6 +1,6 @@
 
 <file path=ppt/presentation.xml><?xml version="1.0" encoding="utf-8"?>
-<p:presentation xmlns:a="http://schemas.openxmlformats.org/drawingml/2006/main" xmlns:r="http://schemas.openxmlformats.org/officeDocument/2006/relationships" xmlns:p="http://schemas.openxmlformats.org/presentationml/2006/main" saveSubsetFonts="1">
+<p:presentation xmlns:a="http://schemas.openxmlformats.org/drawingml/2006/main" xmlns:r="http://schemas.openxmlformats.org/officeDocument/2006/relationships" xmlns:p="http://schemas.openxmlformats.org/presentationml/2006/main" removePersonalInfoOnSave="1" saveSubsetFonts="1">
   <p:sldMasterIdLst>
     <p:sldMasterId id="2147483648" r:id="rId1"/>
   </p:sldMasterIdLst>
@@ -10,7 +10,7 @@
   <p:sldIdLst>
     <p:sldId id="262" r:id="rId2"/>
   </p:sldIdLst>
-  <p:sldSz cx="9144000" cy="6858000" type="screen4x3"/>
+  <p:sldSz cx="12192000" cy="6858000"/>
   <p:notesSz cx="6858000" cy="9144000"/>
   <p:defaultTextStyle>
     <a:defPPr>
@@ -110,12 +110,12 @@
   <p:extLst>
     <p:ext uri="{EFAFB233-063F-42B5-8137-9DF3F51BA10A}">
       <p15:sldGuideLst xmlns:p15="http://schemas.microsoft.com/office/powerpoint/2012/main">
-        <p15:guide id="1" orient="horz" pos="1488">
+        <p15:guide id="1" orient="horz" pos="1488" userDrawn="1">
           <p15:clr>
             <a:srgbClr val="A4A3A4"/>
           </p15:clr>
         </p15:guide>
-        <p15:guide id="2" pos="2880">
+        <p15:guide id="2" pos="3840" userDrawn="1">
           <p15:clr>
             <a:srgbClr val="A4A3A4"/>
           </p15:clr>
@@ -124,10 +124,6 @@
     </p:ext>
   </p:extLst>
 </p:presentation>
-</file>
-
-<file path=ppt/revisionInfo.xml><?xml version="1.0" encoding="utf-8"?>
-<p1510:revInfo xmlns:a="http://schemas.openxmlformats.org/drawingml/2006/main" xmlns:r="http://schemas.openxmlformats.org/officeDocument/2006/relationships" xmlns:p1510="http://schemas.microsoft.com/office/powerpoint/2015/10/main"/>
 </file>
 
 <file path=ppt/notesMasters/notesMaster1.xml><?xml version="1.0" encoding="utf-8"?>
@@ -212,7 +208,7 @@
           <a:p>
             <a:fld id="{F5CC4B3F-88C1-4FFA-B1B6-F41C21DC6924}" type="datetimeFigureOut">
               <a:rPr lang="en-US" smtClean="0"/>
-              <a:t>4/16/2018</a:t>
+              <a:t>2/26/2019</a:t>
             </a:fld>
             <a:endParaRPr lang="en-US"/>
           </a:p>
@@ -230,8 +226,8 @@
         </p:nvSpPr>
         <p:spPr>
           <a:xfrm>
-            <a:off x="1143000" y="685800"/>
-            <a:ext cx="4572000" cy="3429000"/>
+            <a:off x="381000" y="685800"/>
+            <a:ext cx="6096000" cy="3429000"/>
           </a:xfrm>
           <a:prstGeom prst="rect">
             <a:avLst/>
@@ -508,8 +504,8 @@
         </p:nvSpPr>
         <p:spPr>
           <a:xfrm>
-            <a:off x="685800" y="2130425"/>
-            <a:ext cx="7772400" cy="1470025"/>
+            <a:off x="914400" y="2130426"/>
+            <a:ext cx="10363200" cy="1470025"/>
           </a:xfrm>
         </p:spPr>
         <p:txBody>
@@ -535,8 +531,8 @@
         </p:nvSpPr>
         <p:spPr>
           <a:xfrm>
-            <a:off x="1371600" y="3886200"/>
-            <a:ext cx="6400800" cy="1752600"/>
+            <a:off x="1828800" y="3886200"/>
+            <a:ext cx="8534400" cy="1752600"/>
           </a:xfrm>
         </p:spPr>
         <p:txBody>
@@ -658,7 +654,7 @@
           <a:p>
             <a:fld id="{78C97017-6FC3-485B-9764-EAC9E56C1D49}" type="datetimeFigureOut">
               <a:rPr lang="en-US" smtClean="0"/>
-              <a:t>4/16/2018</a:t>
+              <a:t>2/26/2019</a:t>
             </a:fld>
             <a:endParaRPr lang="en-US"/>
           </a:p>
@@ -826,7 +822,7 @@
           <a:p>
             <a:fld id="{78C97017-6FC3-485B-9764-EAC9E56C1D49}" type="datetimeFigureOut">
               <a:rPr lang="en-US" smtClean="0"/>
-              <a:t>4/16/2018</a:t>
+              <a:t>2/26/2019</a:t>
             </a:fld>
             <a:endParaRPr lang="en-US"/>
           </a:p>
@@ -916,8 +912,8 @@
         </p:nvSpPr>
         <p:spPr>
           <a:xfrm>
-            <a:off x="6629400" y="274638"/>
-            <a:ext cx="2057400" cy="5851525"/>
+            <a:off x="8839200" y="274639"/>
+            <a:ext cx="2743200" cy="5851525"/>
           </a:xfrm>
         </p:spPr>
         <p:txBody>
@@ -943,8 +939,8 @@
         </p:nvSpPr>
         <p:spPr>
           <a:xfrm>
-            <a:off x="457200" y="274638"/>
-            <a:ext cx="6019800" cy="5851525"/>
+            <a:off x="609600" y="274639"/>
+            <a:ext cx="8026400" cy="5851525"/>
           </a:xfrm>
         </p:spPr>
         <p:txBody>
@@ -1004,7 +1000,7 @@
           <a:p>
             <a:fld id="{78C97017-6FC3-485B-9764-EAC9E56C1D49}" type="datetimeFigureOut">
               <a:rPr lang="en-US" smtClean="0"/>
-              <a:t>4/16/2018</a:t>
+              <a:t>2/26/2019</a:t>
             </a:fld>
             <a:endParaRPr lang="en-US"/>
           </a:p>
@@ -1172,7 +1168,7 @@
           <a:p>
             <a:fld id="{78C97017-6FC3-485B-9764-EAC9E56C1D49}" type="datetimeFigureOut">
               <a:rPr lang="en-US" smtClean="0"/>
-              <a:t>4/16/2018</a:t>
+              <a:t>2/26/2019</a:t>
             </a:fld>
             <a:endParaRPr lang="en-US"/>
           </a:p>
@@ -1262,8 +1258,8 @@
         </p:nvSpPr>
         <p:spPr>
           <a:xfrm>
-            <a:off x="722313" y="4406900"/>
-            <a:ext cx="7772400" cy="1362075"/>
+            <a:off x="963084" y="4406901"/>
+            <a:ext cx="10363200" cy="1362075"/>
           </a:xfrm>
         </p:spPr>
         <p:txBody>
@@ -1293,8 +1289,8 @@
         </p:nvSpPr>
         <p:spPr>
           <a:xfrm>
-            <a:off x="722313" y="2906713"/>
-            <a:ext cx="7772400" cy="1500187"/>
+            <a:off x="963084" y="2906713"/>
+            <a:ext cx="10363200" cy="1500187"/>
           </a:xfrm>
         </p:spPr>
         <p:txBody>
@@ -1417,7 +1413,7 @@
           <a:p>
             <a:fld id="{78C97017-6FC3-485B-9764-EAC9E56C1D49}" type="datetimeFigureOut">
               <a:rPr lang="en-US" smtClean="0"/>
-              <a:t>4/16/2018</a:t>
+              <a:t>2/26/2019</a:t>
             </a:fld>
             <a:endParaRPr lang="en-US"/>
           </a:p>
@@ -1529,8 +1525,8 @@
         </p:nvSpPr>
         <p:spPr>
           <a:xfrm>
-            <a:off x="457200" y="1600200"/>
-            <a:ext cx="4038600" cy="4525963"/>
+            <a:off x="609600" y="1600201"/>
+            <a:ext cx="5384800" cy="4525963"/>
           </a:xfrm>
         </p:spPr>
         <p:txBody>
@@ -1613,8 +1609,8 @@
         </p:nvSpPr>
         <p:spPr>
           <a:xfrm>
-            <a:off x="4648200" y="1600200"/>
-            <a:ext cx="4038600" cy="4525963"/>
+            <a:off x="6197600" y="1600201"/>
+            <a:ext cx="5384800" cy="4525963"/>
           </a:xfrm>
         </p:spPr>
         <p:txBody>
@@ -1702,7 +1698,7 @@
           <a:p>
             <a:fld id="{78C97017-6FC3-485B-9764-EAC9E56C1D49}" type="datetimeFigureOut">
               <a:rPr lang="en-US" smtClean="0"/>
-              <a:t>4/16/2018</a:t>
+              <a:t>2/26/2019</a:t>
             </a:fld>
             <a:endParaRPr lang="en-US"/>
           </a:p>
@@ -1818,8 +1814,8 @@
         </p:nvSpPr>
         <p:spPr>
           <a:xfrm>
-            <a:off x="457200" y="1535113"/>
-            <a:ext cx="4040188" cy="639762"/>
+            <a:off x="609600" y="1535113"/>
+            <a:ext cx="5386917" cy="639762"/>
           </a:xfrm>
         </p:spPr>
         <p:txBody>
@@ -1883,8 +1879,8 @@
         </p:nvSpPr>
         <p:spPr>
           <a:xfrm>
-            <a:off x="457200" y="2174875"/>
-            <a:ext cx="4040188" cy="3951288"/>
+            <a:off x="609600" y="2174875"/>
+            <a:ext cx="5386917" cy="3951288"/>
           </a:xfrm>
         </p:spPr>
         <p:txBody>
@@ -1967,8 +1963,8 @@
         </p:nvSpPr>
         <p:spPr>
           <a:xfrm>
-            <a:off x="4645025" y="1535113"/>
-            <a:ext cx="4041775" cy="639762"/>
+            <a:off x="6193368" y="1535113"/>
+            <a:ext cx="5389033" cy="639762"/>
           </a:xfrm>
         </p:spPr>
         <p:txBody>
@@ -2032,8 +2028,8 @@
         </p:nvSpPr>
         <p:spPr>
           <a:xfrm>
-            <a:off x="4645025" y="2174875"/>
-            <a:ext cx="4041775" cy="3951288"/>
+            <a:off x="6193368" y="2174875"/>
+            <a:ext cx="5389033" cy="3951288"/>
           </a:xfrm>
         </p:spPr>
         <p:txBody>
@@ -2121,7 +2117,7 @@
           <a:p>
             <a:fld id="{78C97017-6FC3-485B-9764-EAC9E56C1D49}" type="datetimeFigureOut">
               <a:rPr lang="en-US" smtClean="0"/>
-              <a:t>4/16/2018</a:t>
+              <a:t>2/26/2019</a:t>
             </a:fld>
             <a:endParaRPr lang="en-US"/>
           </a:p>
@@ -2238,7 +2234,7 @@
           <a:p>
             <a:fld id="{78C97017-6FC3-485B-9764-EAC9E56C1D49}" type="datetimeFigureOut">
               <a:rPr lang="en-US" smtClean="0"/>
-              <a:t>4/16/2018</a:t>
+              <a:t>2/26/2019</a:t>
             </a:fld>
             <a:endParaRPr lang="en-US"/>
           </a:p>
@@ -2333,7 +2329,7 @@
           <a:p>
             <a:fld id="{78C97017-6FC3-485B-9764-EAC9E56C1D49}" type="datetimeFigureOut">
               <a:rPr lang="en-US" smtClean="0"/>
-              <a:t>4/16/2018</a:t>
+              <a:t>2/26/2019</a:t>
             </a:fld>
             <a:endParaRPr lang="en-US"/>
           </a:p>
@@ -2423,8 +2419,8 @@
         </p:nvSpPr>
         <p:spPr>
           <a:xfrm>
-            <a:off x="457200" y="273050"/>
-            <a:ext cx="3008313" cy="1162050"/>
+            <a:off x="609601" y="273050"/>
+            <a:ext cx="4011084" cy="1162050"/>
           </a:xfrm>
         </p:spPr>
         <p:txBody>
@@ -2454,8 +2450,8 @@
         </p:nvSpPr>
         <p:spPr>
           <a:xfrm>
-            <a:off x="3575050" y="273050"/>
-            <a:ext cx="5111750" cy="5853113"/>
+            <a:off x="4766733" y="273051"/>
+            <a:ext cx="6815667" cy="5853113"/>
           </a:xfrm>
         </p:spPr>
         <p:txBody>
@@ -2538,8 +2534,8 @@
         </p:nvSpPr>
         <p:spPr>
           <a:xfrm>
-            <a:off x="457200" y="1435100"/>
-            <a:ext cx="3008313" cy="4691063"/>
+            <a:off x="609601" y="1435101"/>
+            <a:ext cx="4011084" cy="4691063"/>
           </a:xfrm>
         </p:spPr>
         <p:txBody>
@@ -2608,7 +2604,7 @@
           <a:p>
             <a:fld id="{78C97017-6FC3-485B-9764-EAC9E56C1D49}" type="datetimeFigureOut">
               <a:rPr lang="en-US" smtClean="0"/>
-              <a:t>4/16/2018</a:t>
+              <a:t>2/26/2019</a:t>
             </a:fld>
             <a:endParaRPr lang="en-US"/>
           </a:p>
@@ -2698,8 +2694,8 @@
         </p:nvSpPr>
         <p:spPr>
           <a:xfrm>
-            <a:off x="1792288" y="4800600"/>
-            <a:ext cx="5486400" cy="566738"/>
+            <a:off x="2389717" y="4800600"/>
+            <a:ext cx="7315200" cy="566738"/>
           </a:xfrm>
         </p:spPr>
         <p:txBody>
@@ -2729,8 +2725,8 @@
         </p:nvSpPr>
         <p:spPr>
           <a:xfrm>
-            <a:off x="1792288" y="612775"/>
-            <a:ext cx="5486400" cy="4114800"/>
+            <a:off x="2389717" y="612775"/>
+            <a:ext cx="7315200" cy="4114800"/>
           </a:xfrm>
         </p:spPr>
         <p:txBody>
@@ -2790,8 +2786,8 @@
         </p:nvSpPr>
         <p:spPr>
           <a:xfrm>
-            <a:off x="1792288" y="5367338"/>
-            <a:ext cx="5486400" cy="804862"/>
+            <a:off x="2389717" y="5367338"/>
+            <a:ext cx="7315200" cy="804862"/>
           </a:xfrm>
         </p:spPr>
         <p:txBody>
@@ -2860,7 +2856,7 @@
           <a:p>
             <a:fld id="{78C97017-6FC3-485B-9764-EAC9E56C1D49}" type="datetimeFigureOut">
               <a:rPr lang="en-US" smtClean="0"/>
-              <a:t>4/16/2018</a:t>
+              <a:t>2/26/2019</a:t>
             </a:fld>
             <a:endParaRPr lang="en-US"/>
           </a:p>
@@ -2955,8 +2951,8 @@
         </p:nvSpPr>
         <p:spPr>
           <a:xfrm>
-            <a:off x="457200" y="274638"/>
-            <a:ext cx="8229600" cy="1143000"/>
+            <a:off x="609600" y="274638"/>
+            <a:ext cx="10972800" cy="1143000"/>
           </a:xfrm>
           <a:prstGeom prst="rect">
             <a:avLst/>
@@ -2987,8 +2983,8 @@
         </p:nvSpPr>
         <p:spPr>
           <a:xfrm>
-            <a:off x="457200" y="1600200"/>
-            <a:ext cx="8229600" cy="4525963"/>
+            <a:off x="609600" y="1600201"/>
+            <a:ext cx="10972800" cy="4525963"/>
           </a:xfrm>
           <a:prstGeom prst="rect">
             <a:avLst/>
@@ -3048,8 +3044,8 @@
         </p:nvSpPr>
         <p:spPr>
           <a:xfrm>
-            <a:off x="457200" y="6356350"/>
-            <a:ext cx="2133600" cy="365125"/>
+            <a:off x="609600" y="6356351"/>
+            <a:ext cx="2844800" cy="365125"/>
           </a:xfrm>
           <a:prstGeom prst="rect">
             <a:avLst/>
@@ -3071,7 +3067,7 @@
           <a:p>
             <a:fld id="{78C97017-6FC3-485B-9764-EAC9E56C1D49}" type="datetimeFigureOut">
               <a:rPr lang="en-US" smtClean="0"/>
-              <a:t>4/16/2018</a:t>
+              <a:t>2/26/2019</a:t>
             </a:fld>
             <a:endParaRPr lang="en-US"/>
           </a:p>
@@ -3089,8 +3085,8 @@
         </p:nvSpPr>
         <p:spPr>
           <a:xfrm>
-            <a:off x="3124200" y="6356350"/>
-            <a:ext cx="2895600" cy="365125"/>
+            <a:off x="4165600" y="6356351"/>
+            <a:ext cx="3860800" cy="365125"/>
           </a:xfrm>
           <a:prstGeom prst="rect">
             <a:avLst/>
@@ -3126,8 +3122,8 @@
         </p:nvSpPr>
         <p:spPr>
           <a:xfrm>
-            <a:off x="6553200" y="6356350"/>
-            <a:ext cx="2133600" cy="365125"/>
+            <a:off x="8737600" y="6356351"/>
+            <a:ext cx="2844800" cy="365125"/>
           </a:xfrm>
           <a:prstGeom prst="rect">
             <a:avLst/>
@@ -3446,887 +3442,1092 @@
           <a:chExt cx="0" cy="0"/>
         </a:xfrm>
       </p:grpSpPr>
-      <p:sp>
-        <p:nvSpPr>
-          <p:cNvPr id="2" name="Rectangle 65"/>
-          <p:cNvSpPr/>
-          <p:nvPr/>
-        </p:nvSpPr>
-        <p:spPr>
-          <a:xfrm>
-            <a:off x="1066800" y="914400"/>
-            <a:ext cx="7084740" cy="3733800"/>
-          </a:xfrm>
-          <a:prstGeom prst="roundRect">
-            <a:avLst>
-              <a:gd name="adj" fmla="val 3484"/>
-            </a:avLst>
-          </a:prstGeom>
-          <a:solidFill>
-            <a:schemeClr val="accent1">
-              <a:lumMod val="20000"/>
-              <a:lumOff val="80000"/>
-            </a:schemeClr>
-          </a:solidFill>
-          <a:ln w="19050">
-            <a:noFill/>
-          </a:ln>
-          <a:effectLst/>
-        </p:spPr>
-        <p:style>
-          <a:lnRef idx="1">
-            <a:schemeClr val="accent2"/>
-          </a:lnRef>
-          <a:fillRef idx="2">
-            <a:schemeClr val="accent2"/>
-          </a:fillRef>
-          <a:effectRef idx="1">
-            <a:schemeClr val="accent2"/>
-          </a:effectRef>
-          <a:fontRef idx="minor">
-            <a:schemeClr val="dk1"/>
-          </a:fontRef>
-        </p:style>
-        <p:txBody>
-          <a:bodyPr rtlCol="0" anchor="t"/>
-          <a:lstStyle/>
-          <a:p>
-            <a:r>
-              <a:rPr lang="en-US" sz="1200" b="1" dirty="0">
-                <a:solidFill>
-                  <a:srgbClr val="0070C0"/>
-                </a:solidFill>
-              </a:rPr>
-              <a:t>Logic</a:t>
-            </a:r>
-            <a:endParaRPr lang="en-SG" sz="1200" b="1" dirty="0">
-              <a:solidFill>
-                <a:srgbClr val="0070C0"/>
-              </a:solidFill>
-            </a:endParaRPr>
-          </a:p>
-        </p:txBody>
-      </p:sp>
-      <p:sp>
-        <p:nvSpPr>
-          <p:cNvPr id="3" name="Rectangle 8"/>
-          <p:cNvSpPr/>
-          <p:nvPr/>
-        </p:nvSpPr>
-        <p:spPr>
-          <a:xfrm>
-            <a:off x="2095948" y="1253067"/>
-            <a:ext cx="1093635" cy="346760"/>
-          </a:xfrm>
-          <a:prstGeom prst="rect">
-            <a:avLst/>
-          </a:prstGeom>
-          <a:solidFill>
-            <a:srgbClr val="0070C0"/>
-          </a:solidFill>
-          <a:ln w="19050">
-            <a:solidFill>
-              <a:srgbClr val="0070C0"/>
-            </a:solidFill>
-          </a:ln>
-          <a:effectLst/>
-        </p:spPr>
-        <p:style>
-          <a:lnRef idx="1">
-            <a:schemeClr val="accent2"/>
-          </a:lnRef>
-          <a:fillRef idx="2">
-            <a:schemeClr val="accent2"/>
-          </a:fillRef>
-          <a:effectRef idx="1">
-            <a:schemeClr val="accent2"/>
-          </a:effectRef>
-          <a:fontRef idx="minor">
-            <a:schemeClr val="dk1"/>
-          </a:fontRef>
-        </p:style>
-        <p:txBody>
-          <a:bodyPr rtlCol="0" anchor="ctr"/>
-          <a:lstStyle/>
-          <a:p>
-            <a:pPr algn="ctr"/>
-            <a:r>
-              <a:rPr lang="en-US" sz="1050" dirty="0" err="1">
-                <a:solidFill>
-                  <a:schemeClr val="bg1"/>
-                </a:solidFill>
-              </a:rPr>
-              <a:t>CommandResult</a:t>
-            </a:r>
-            <a:endParaRPr lang="en-SG" sz="1050" dirty="0">
-              <a:solidFill>
-                <a:schemeClr val="bg1"/>
-              </a:solidFill>
-            </a:endParaRPr>
-          </a:p>
-        </p:txBody>
-      </p:sp>
-      <p:sp>
-        <p:nvSpPr>
-          <p:cNvPr id="4" name="Rectangle 11"/>
-          <p:cNvSpPr/>
-          <p:nvPr/>
-        </p:nvSpPr>
-        <p:spPr>
-          <a:xfrm flipH="1">
-            <a:off x="6878274" y="2740152"/>
-            <a:ext cx="970326" cy="346760"/>
-          </a:xfrm>
-          <a:prstGeom prst="rect">
-            <a:avLst/>
-          </a:prstGeom>
-          <a:ln w="19050">
-            <a:solidFill>
-              <a:srgbClr val="0070C0"/>
-            </a:solidFill>
-          </a:ln>
-          <a:effectLst/>
-        </p:spPr>
-        <p:style>
-          <a:lnRef idx="1">
-            <a:schemeClr val="accent1"/>
-          </a:lnRef>
-          <a:fillRef idx="2">
-            <a:schemeClr val="accent1"/>
-          </a:fillRef>
-          <a:effectRef idx="1">
-            <a:schemeClr val="accent1"/>
-          </a:effectRef>
-          <a:fontRef idx="minor">
-            <a:schemeClr val="dk1"/>
-          </a:fontRef>
-        </p:style>
-        <p:txBody>
-          <a:bodyPr rtlCol="0" anchor="ctr"/>
-          <a:lstStyle/>
-          <a:p>
-            <a:pPr algn="ctr"/>
-            <a:r>
-              <a:rPr lang="en-US" sz="1050" b="1" dirty="0" err="1" smtClean="0">
-                <a:solidFill>
-                  <a:srgbClr val="0070C0"/>
-                </a:solidFill>
-              </a:rPr>
-              <a:t>XYZCommand</a:t>
-            </a:r>
-            <a:endParaRPr lang="en-SG" sz="1050" b="1" dirty="0">
-              <a:solidFill>
-                <a:srgbClr val="0070C0"/>
-              </a:solidFill>
-            </a:endParaRPr>
-          </a:p>
-        </p:txBody>
-      </p:sp>
-      <p:sp>
-        <p:nvSpPr>
-          <p:cNvPr id="5" name="Rectangle 62"/>
-          <p:cNvSpPr/>
-          <p:nvPr/>
-        </p:nvSpPr>
-        <p:spPr>
-          <a:xfrm>
-            <a:off x="1782495" y="3583530"/>
-            <a:ext cx="1093635" cy="346760"/>
-          </a:xfrm>
-          <a:prstGeom prst="rect">
-            <a:avLst/>
-          </a:prstGeom>
-          <a:solidFill>
-            <a:srgbClr val="0070C0"/>
-          </a:solidFill>
-          <a:ln w="19050">
-            <a:solidFill>
-              <a:srgbClr val="0070C0"/>
-            </a:solidFill>
-          </a:ln>
-          <a:effectLst/>
-        </p:spPr>
-        <p:style>
-          <a:lnRef idx="1">
-            <a:schemeClr val="accent2"/>
-          </a:lnRef>
-          <a:fillRef idx="2">
-            <a:schemeClr val="accent2"/>
-          </a:fillRef>
-          <a:effectRef idx="1">
-            <a:schemeClr val="accent2"/>
-          </a:effectRef>
-          <a:fontRef idx="minor">
-            <a:schemeClr val="dk1"/>
-          </a:fontRef>
-        </p:style>
-        <p:txBody>
-          <a:bodyPr rtlCol="0" anchor="ctr"/>
-          <a:lstStyle/>
-          <a:p>
-            <a:pPr algn="ctr"/>
-            <a:r>
-              <a:rPr lang="en-US" sz="1050" dirty="0" err="1">
-                <a:solidFill>
-                  <a:schemeClr val="bg1"/>
-                </a:solidFill>
-              </a:rPr>
-              <a:t>LogicManager</a:t>
-            </a:r>
-            <a:endParaRPr lang="en-SG" sz="1050" dirty="0">
-              <a:solidFill>
-                <a:schemeClr val="bg1"/>
-              </a:solidFill>
-            </a:endParaRPr>
-          </a:p>
-        </p:txBody>
-      </p:sp>
-      <p:cxnSp>
-        <p:nvCxnSpPr>
-          <p:cNvPr id="6" name="Elbow Connector 63"/>
-          <p:cNvCxnSpPr>
-            <a:stCxn id="12" idx="3"/>
-            <a:endCxn id="3" idx="3"/>
-          </p:cNvCxnSpPr>
-          <p:nvPr/>
-        </p:nvCxnSpPr>
-        <p:spPr>
-          <a:xfrm flipH="1" flipV="1">
-            <a:off x="3189583" y="1426447"/>
-            <a:ext cx="4559332" cy="2895973"/>
-          </a:xfrm>
-          <a:prstGeom prst="bentConnector3">
-            <a:avLst>
-              <a:gd name="adj1" fmla="val -5014"/>
-            </a:avLst>
-          </a:prstGeom>
-          <a:ln w="19050">
-            <a:solidFill>
-              <a:srgbClr val="0070C0"/>
-            </a:solidFill>
-            <a:prstDash val="sysDot"/>
-            <a:headEnd type="none" w="med" len="med"/>
-            <a:tailEnd type="arrow" w="med" len="med"/>
-          </a:ln>
-          <a:effectLst/>
-        </p:spPr>
-        <p:style>
-          <a:lnRef idx="1">
-            <a:schemeClr val="accent2"/>
-          </a:lnRef>
-          <a:fillRef idx="2">
-            <a:schemeClr val="accent2"/>
-          </a:fillRef>
-          <a:effectRef idx="1">
-            <a:schemeClr val="accent2"/>
-          </a:effectRef>
-          <a:fontRef idx="minor">
-            <a:schemeClr val="dk1"/>
-          </a:fontRef>
-        </p:style>
-      </p:cxnSp>
-      <p:cxnSp>
-        <p:nvCxnSpPr>
-          <p:cNvPr id="8" name="Elbow Connector 122"/>
-          <p:cNvCxnSpPr>
-            <a:endCxn id="3" idx="1"/>
-          </p:cNvCxnSpPr>
-          <p:nvPr/>
-        </p:nvCxnSpPr>
-        <p:spPr>
-          <a:xfrm>
-            <a:off x="1676400" y="1423587"/>
-            <a:ext cx="419548" cy="2860"/>
-          </a:xfrm>
-          <a:prstGeom prst="bentConnector3">
-            <a:avLst>
-              <a:gd name="adj1" fmla="val 50000"/>
-            </a:avLst>
-          </a:prstGeom>
-          <a:ln w="19050">
-            <a:solidFill>
-              <a:srgbClr val="0070C0"/>
-            </a:solidFill>
-            <a:prstDash val="sysDot"/>
-            <a:headEnd type="none" w="med" len="med"/>
-            <a:tailEnd type="arrow" w="med" len="med"/>
-          </a:ln>
-          <a:effectLst/>
-        </p:spPr>
-        <p:style>
-          <a:lnRef idx="1">
-            <a:schemeClr val="accent2"/>
-          </a:lnRef>
-          <a:fillRef idx="2">
-            <a:schemeClr val="accent2"/>
-          </a:fillRef>
-          <a:effectRef idx="1">
-            <a:schemeClr val="accent2"/>
-          </a:effectRef>
-          <a:fontRef idx="minor">
-            <a:schemeClr val="dk1"/>
-          </a:fontRef>
-        </p:style>
-      </p:cxnSp>
-      <p:sp>
-        <p:nvSpPr>
-          <p:cNvPr id="9" name="Rectangle 65"/>
-          <p:cNvSpPr/>
-          <p:nvPr/>
-        </p:nvSpPr>
-        <p:spPr>
-          <a:xfrm>
-            <a:off x="1103085" y="4777355"/>
-            <a:ext cx="7050315" cy="328045"/>
-          </a:xfrm>
-          <a:prstGeom prst="roundRect">
-            <a:avLst/>
-          </a:prstGeom>
-          <a:solidFill>
-            <a:schemeClr val="accent4">
-              <a:lumMod val="20000"/>
-              <a:lumOff val="80000"/>
-            </a:schemeClr>
-          </a:solidFill>
-          <a:ln w="19050">
-            <a:noFill/>
-          </a:ln>
-          <a:effectLst/>
-        </p:spPr>
-        <p:style>
-          <a:lnRef idx="1">
-            <a:schemeClr val="accent2"/>
-          </a:lnRef>
-          <a:fillRef idx="2">
-            <a:schemeClr val="accent2"/>
-          </a:fillRef>
-          <a:effectRef idx="1">
-            <a:schemeClr val="accent2"/>
-          </a:effectRef>
-          <a:fontRef idx="minor">
-            <a:schemeClr val="dk1"/>
-          </a:fontRef>
-        </p:style>
-        <p:txBody>
-          <a:bodyPr rtlCol="0" anchor="ctr"/>
-          <a:lstStyle/>
-          <a:p>
-            <a:pPr algn="ctr"/>
-            <a:r>
-              <a:rPr lang="en-US" sz="1100" b="1" dirty="0">
-                <a:solidFill>
-                  <a:schemeClr val="bg1"/>
-                </a:solidFill>
-              </a:rPr>
-              <a:t>Model</a:t>
-            </a:r>
-            <a:endParaRPr lang="en-SG" sz="1100" b="1" dirty="0">
-              <a:solidFill>
-                <a:schemeClr val="bg1"/>
-              </a:solidFill>
-            </a:endParaRPr>
-          </a:p>
-        </p:txBody>
-      </p:sp>
-      <p:sp>
-        <p:nvSpPr>
-          <p:cNvPr id="12" name="Rectangle 62"/>
-          <p:cNvSpPr/>
-          <p:nvPr/>
-        </p:nvSpPr>
-        <p:spPr>
-          <a:xfrm>
-            <a:off x="6976872" y="4149040"/>
-            <a:ext cx="772043" cy="346760"/>
-          </a:xfrm>
-          <a:prstGeom prst="rect">
-            <a:avLst/>
-          </a:prstGeom>
-          <a:ln w="19050">
-            <a:solidFill>
-              <a:srgbClr val="0070C0"/>
-            </a:solidFill>
-          </a:ln>
-          <a:effectLst/>
-        </p:spPr>
-        <p:style>
-          <a:lnRef idx="1">
-            <a:schemeClr val="accent1"/>
-          </a:lnRef>
-          <a:fillRef idx="2">
-            <a:schemeClr val="accent1"/>
-          </a:fillRef>
-          <a:effectRef idx="1">
-            <a:schemeClr val="accent1"/>
-          </a:effectRef>
-          <a:fontRef idx="minor">
-            <a:schemeClr val="dk1"/>
-          </a:fontRef>
-        </p:style>
-        <p:txBody>
-          <a:bodyPr rtlCol="0" anchor="ctr"/>
-          <a:lstStyle/>
-          <a:p>
-            <a:pPr algn="ctr"/>
-            <a:r>
-              <a:rPr lang="en-US" sz="1050" b="1" dirty="0">
-                <a:solidFill>
-                  <a:srgbClr val="0070C0"/>
-                </a:solidFill>
-              </a:rPr>
-              <a:t>{abstract}</a:t>
-            </a:r>
-            <a:br>
-              <a:rPr lang="en-US" sz="1050" b="1" dirty="0">
-                <a:solidFill>
-                  <a:srgbClr val="0070C0"/>
-                </a:solidFill>
-              </a:rPr>
-            </a:br>
-            <a:r>
-              <a:rPr lang="en-US" sz="1050" b="1" dirty="0">
-                <a:solidFill>
-                  <a:srgbClr val="0070C0"/>
-                </a:solidFill>
-              </a:rPr>
-              <a:t>Command</a:t>
-            </a:r>
-            <a:endParaRPr lang="en-SG" sz="1050" b="1" dirty="0">
-              <a:solidFill>
-                <a:srgbClr val="0070C0"/>
-              </a:solidFill>
-            </a:endParaRPr>
-          </a:p>
-        </p:txBody>
-      </p:sp>
-      <p:sp>
-        <p:nvSpPr>
-          <p:cNvPr id="16" name="Rectangle 62"/>
-          <p:cNvSpPr/>
-          <p:nvPr/>
-        </p:nvSpPr>
-        <p:spPr>
-          <a:xfrm>
-            <a:off x="3255418" y="3554995"/>
-            <a:ext cx="1045323" cy="384497"/>
-          </a:xfrm>
-          <a:prstGeom prst="rect">
-            <a:avLst/>
-          </a:prstGeom>
-          <a:solidFill>
-            <a:schemeClr val="accent5"/>
-          </a:solidFill>
-          <a:ln/>
-          <a:effectLst/>
-        </p:spPr>
-        <p:style>
-          <a:lnRef idx="1">
-            <a:schemeClr val="accent5"/>
-          </a:lnRef>
-          <a:fillRef idx="2">
-            <a:schemeClr val="accent5"/>
-          </a:fillRef>
-          <a:effectRef idx="1">
-            <a:schemeClr val="accent5"/>
-          </a:effectRef>
-          <a:fontRef idx="minor">
-            <a:schemeClr val="dk1"/>
-          </a:fontRef>
-        </p:style>
-        <p:txBody>
-          <a:bodyPr rtlCol="0" anchor="ctr"/>
-          <a:lstStyle/>
-          <a:p>
-            <a:pPr algn="ctr"/>
-            <a:r>
-              <a:rPr lang="en-US" sz="1050" dirty="0" err="1" smtClean="0">
-                <a:solidFill>
-                  <a:schemeClr val="bg1"/>
-                </a:solidFill>
-              </a:rPr>
-              <a:t>AddressBook</a:t>
-            </a:r>
-            <a:endParaRPr lang="en-US" sz="1050" dirty="0">
-              <a:solidFill>
-                <a:schemeClr val="bg1"/>
-              </a:solidFill>
-            </a:endParaRPr>
-          </a:p>
-          <a:p>
-            <a:pPr algn="ctr"/>
-            <a:r>
-              <a:rPr lang="en-US" sz="1050" dirty="0">
-                <a:solidFill>
-                  <a:schemeClr val="bg1"/>
-                </a:solidFill>
-              </a:rPr>
-              <a:t>Parser</a:t>
-            </a:r>
-            <a:endParaRPr lang="en-SG" sz="1050" dirty="0">
-              <a:solidFill>
-                <a:schemeClr val="bg1"/>
-              </a:solidFill>
-            </a:endParaRPr>
-          </a:p>
-        </p:txBody>
-      </p:sp>
-      <p:cxnSp>
-        <p:nvCxnSpPr>
-          <p:cNvPr id="18" name="Straight Arrow Connector 110"/>
-          <p:cNvCxnSpPr>
-            <a:stCxn id="12" idx="2"/>
-          </p:cNvCxnSpPr>
-          <p:nvPr/>
-        </p:nvCxnSpPr>
-        <p:spPr>
-          <a:xfrm>
-            <a:off x="7362894" y="4495800"/>
-            <a:ext cx="0" cy="281555"/>
-          </a:xfrm>
-          <a:prstGeom prst="straightConnector1">
-            <a:avLst/>
-          </a:prstGeom>
-          <a:ln w="19050">
-            <a:solidFill>
-              <a:srgbClr val="0070C0"/>
-            </a:solidFill>
-            <a:prstDash val="sysDot"/>
-            <a:headEnd type="none" w="med" len="med"/>
-            <a:tailEnd type="arrow" w="med" len="med"/>
-          </a:ln>
-          <a:effectLst/>
-        </p:spPr>
-        <p:style>
-          <a:lnRef idx="1">
-            <a:schemeClr val="accent2"/>
-          </a:lnRef>
-          <a:fillRef idx="2">
-            <a:schemeClr val="accent2"/>
-          </a:fillRef>
-          <a:effectRef idx="1">
-            <a:schemeClr val="accent2"/>
-          </a:effectRef>
-          <a:fontRef idx="minor">
-            <a:schemeClr val="dk1"/>
-          </a:fontRef>
-        </p:style>
-      </p:cxnSp>
-      <p:sp>
-        <p:nvSpPr>
-          <p:cNvPr id="19" name="Rectangle 62"/>
-          <p:cNvSpPr/>
-          <p:nvPr/>
-        </p:nvSpPr>
-        <p:spPr>
-          <a:xfrm rot="16200000">
-            <a:off x="398120" y="2150720"/>
-            <a:ext cx="2209800" cy="346760"/>
-          </a:xfrm>
-          <a:prstGeom prst="rect">
-            <a:avLst/>
-          </a:prstGeom>
-          <a:solidFill>
-            <a:srgbClr val="0070C0"/>
-          </a:solidFill>
-          <a:ln w="19050">
-            <a:solidFill>
-              <a:srgbClr val="0070C0"/>
-            </a:solidFill>
-          </a:ln>
-          <a:effectLst/>
-        </p:spPr>
-        <p:style>
-          <a:lnRef idx="1">
-            <a:schemeClr val="accent2"/>
-          </a:lnRef>
-          <a:fillRef idx="2">
-            <a:schemeClr val="accent2"/>
-          </a:fillRef>
-          <a:effectRef idx="1">
-            <a:schemeClr val="accent2"/>
-          </a:effectRef>
-          <a:fontRef idx="minor">
-            <a:schemeClr val="dk1"/>
-          </a:fontRef>
-        </p:style>
-        <p:txBody>
-          <a:bodyPr rtlCol="0" anchor="ctr"/>
-          <a:lstStyle/>
-          <a:p>
-            <a:pPr algn="ctr"/>
-            <a:r>
-              <a:rPr lang="en-US" sz="1050" dirty="0">
-                <a:solidFill>
-                  <a:schemeClr val="bg1"/>
-                </a:solidFill>
-              </a:rPr>
-              <a:t>&lt;&lt;interface&gt;&gt;</a:t>
-            </a:r>
-          </a:p>
-          <a:p>
-            <a:pPr algn="ctr"/>
-            <a:r>
-              <a:rPr lang="en-US" sz="1050" dirty="0">
-                <a:solidFill>
-                  <a:schemeClr val="bg1"/>
-                </a:solidFill>
-              </a:rPr>
-              <a:t>Logic</a:t>
-            </a:r>
-            <a:endParaRPr lang="en-SG" sz="1050" dirty="0">
-              <a:solidFill>
-                <a:schemeClr val="bg1"/>
-              </a:solidFill>
-            </a:endParaRPr>
-          </a:p>
-        </p:txBody>
-      </p:sp>
-      <p:sp>
-        <p:nvSpPr>
-          <p:cNvPr id="20" name="Isosceles Triangle 102"/>
-          <p:cNvSpPr/>
-          <p:nvPr/>
-        </p:nvSpPr>
-        <p:spPr>
-          <a:xfrm>
-            <a:off x="1359039" y="3429000"/>
-            <a:ext cx="270504" cy="175523"/>
-          </a:xfrm>
-          <a:prstGeom prst="triangle">
-            <a:avLst/>
-          </a:prstGeom>
-          <a:solidFill>
-            <a:schemeClr val="tx2">
-              <a:lumMod val="60000"/>
-              <a:lumOff val="40000"/>
-            </a:schemeClr>
-          </a:solidFill>
-          <a:ln w="19050">
-            <a:solidFill>
-              <a:srgbClr val="0070C0"/>
-            </a:solidFill>
-          </a:ln>
-          <a:effectLst/>
-        </p:spPr>
-        <p:style>
-          <a:lnRef idx="1">
-            <a:schemeClr val="accent1"/>
-          </a:lnRef>
-          <a:fillRef idx="2">
-            <a:schemeClr val="accent1"/>
-          </a:fillRef>
-          <a:effectRef idx="1">
-            <a:schemeClr val="accent1"/>
-          </a:effectRef>
-          <a:fontRef idx="minor">
-            <a:schemeClr val="dk1"/>
-          </a:fontRef>
-        </p:style>
-        <p:txBody>
-          <a:bodyPr rtlCol="0" anchor="ctr"/>
-          <a:lstStyle/>
-          <a:p>
-            <a:pPr algn="ctr"/>
-            <a:endParaRPr lang="en-SG" sz="1050" b="1">
-              <a:solidFill>
-                <a:srgbClr val="92D050"/>
-              </a:solidFill>
-            </a:endParaRPr>
-          </a:p>
-        </p:txBody>
-      </p:sp>
-      <p:cxnSp>
-        <p:nvCxnSpPr>
-          <p:cNvPr id="21" name="Elbow Connector 63"/>
-          <p:cNvCxnSpPr>
-            <a:stCxn id="5" idx="1"/>
-            <a:endCxn id="20" idx="3"/>
-          </p:cNvCxnSpPr>
-          <p:nvPr/>
-        </p:nvCxnSpPr>
-        <p:spPr>
-          <a:xfrm rot="10800000">
-            <a:off x="1494291" y="3604524"/>
-            <a:ext cx="288204" cy="152387"/>
-          </a:xfrm>
-          <a:prstGeom prst="bentConnector2">
-            <a:avLst/>
-          </a:prstGeom>
-          <a:ln w="19050">
-            <a:solidFill>
-              <a:srgbClr val="0070C0"/>
-            </a:solidFill>
-            <a:prstDash val="sysDot"/>
-            <a:headEnd type="none" w="med" len="med"/>
-            <a:tailEnd type="none" w="med" len="med"/>
-          </a:ln>
-          <a:effectLst/>
-        </p:spPr>
-        <p:style>
-          <a:lnRef idx="1">
-            <a:schemeClr val="accent2"/>
-          </a:lnRef>
-          <a:fillRef idx="2">
-            <a:schemeClr val="accent2"/>
-          </a:fillRef>
-          <a:effectRef idx="1">
-            <a:schemeClr val="accent2"/>
-          </a:effectRef>
-          <a:fontRef idx="minor">
-            <a:schemeClr val="dk1"/>
-          </a:fontRef>
-        </p:style>
-      </p:cxnSp>
-      <p:cxnSp>
-        <p:nvCxnSpPr>
-          <p:cNvPr id="23" name="Straight Arrow Connector 57"/>
-          <p:cNvCxnSpPr>
-            <a:stCxn id="5" idx="2"/>
-          </p:cNvCxnSpPr>
-          <p:nvPr/>
-        </p:nvCxnSpPr>
-        <p:spPr>
-          <a:xfrm>
-            <a:off x="2329313" y="3930290"/>
-            <a:ext cx="1376" cy="854841"/>
-          </a:xfrm>
-          <a:prstGeom prst="straightConnector1">
-            <a:avLst/>
-          </a:prstGeom>
-          <a:ln w="19050">
-            <a:solidFill>
-              <a:srgbClr val="0070C0"/>
-            </a:solidFill>
-            <a:headEnd type="none" w="med" len="med"/>
-            <a:tailEnd type="arrow" w="med" len="med"/>
-          </a:ln>
-          <a:effectLst/>
-        </p:spPr>
-        <p:style>
-          <a:lnRef idx="1">
-            <a:schemeClr val="accent2"/>
-          </a:lnRef>
-          <a:fillRef idx="2">
-            <a:schemeClr val="accent2"/>
-          </a:fillRef>
-          <a:effectRef idx="1">
-            <a:schemeClr val="accent2"/>
-          </a:effectRef>
-          <a:fontRef idx="minor">
-            <a:schemeClr val="dk1"/>
-          </a:fontRef>
-        </p:style>
-      </p:cxnSp>
-      <p:cxnSp>
-        <p:nvCxnSpPr>
-          <p:cNvPr id="24" name="Elbow Connector 122"/>
-          <p:cNvCxnSpPr/>
-          <p:nvPr/>
-        </p:nvCxnSpPr>
-        <p:spPr>
-          <a:xfrm>
-            <a:off x="893311" y="2832505"/>
-            <a:ext cx="419548" cy="2860"/>
-          </a:xfrm>
-          <a:prstGeom prst="bentConnector3">
-            <a:avLst>
-              <a:gd name="adj1" fmla="val 50000"/>
-            </a:avLst>
-          </a:prstGeom>
-          <a:ln w="19050">
-            <a:solidFill>
-              <a:schemeClr val="bg1">
-                <a:lumMod val="75000"/>
-              </a:schemeClr>
-            </a:solidFill>
-            <a:prstDash val="sysDot"/>
-            <a:headEnd type="none" w="med" len="med"/>
-            <a:tailEnd type="arrow" w="med" len="med"/>
-          </a:ln>
-          <a:effectLst/>
-        </p:spPr>
-        <p:style>
-          <a:lnRef idx="1">
-            <a:schemeClr val="accent2"/>
-          </a:lnRef>
-          <a:fillRef idx="2">
-            <a:schemeClr val="accent2"/>
-          </a:fillRef>
-          <a:effectRef idx="1">
-            <a:schemeClr val="accent2"/>
-          </a:effectRef>
-          <a:fontRef idx="minor">
-            <a:schemeClr val="dk1"/>
-          </a:fontRef>
-        </p:style>
-      </p:cxnSp>
-      <p:cxnSp>
-        <p:nvCxnSpPr>
-          <p:cNvPr id="25" name="Elbow Connector 63"/>
-          <p:cNvCxnSpPr>
-            <a:endCxn id="12" idx="1"/>
-          </p:cNvCxnSpPr>
-          <p:nvPr/>
-        </p:nvCxnSpPr>
-        <p:spPr>
-          <a:xfrm>
-            <a:off x="2281833" y="3939492"/>
-            <a:ext cx="4695039" cy="382928"/>
-          </a:xfrm>
-          <a:prstGeom prst="bentConnector3">
-            <a:avLst>
-              <a:gd name="adj1" fmla="val -81"/>
-            </a:avLst>
-          </a:prstGeom>
-          <a:ln w="19050">
-            <a:solidFill>
-              <a:srgbClr val="0070C0"/>
-            </a:solidFill>
-            <a:prstDash val="sysDot"/>
-            <a:headEnd type="none" w="med" len="med"/>
-            <a:tailEnd type="arrow" w="med" len="med"/>
-          </a:ln>
-          <a:effectLst/>
-        </p:spPr>
-        <p:style>
-          <a:lnRef idx="1">
-            <a:schemeClr val="accent2"/>
-          </a:lnRef>
-          <a:fillRef idx="2">
-            <a:schemeClr val="accent2"/>
-          </a:fillRef>
-          <a:effectRef idx="1">
-            <a:schemeClr val="accent2"/>
-          </a:effectRef>
-          <a:fontRef idx="minor">
-            <a:schemeClr val="dk1"/>
-          </a:fontRef>
-        </p:style>
-      </p:cxnSp>
       <p:grpSp>
         <p:nvGrpSpPr>
-          <p:cNvPr id="26" name="Group 25"/>
+          <p:cNvPr id="7" name="Group 6">
+            <a:extLst>
+              <a:ext uri="{FF2B5EF4-FFF2-40B4-BE49-F238E27FC236}">
+                <a16:creationId xmlns:a16="http://schemas.microsoft.com/office/drawing/2014/main" id="{D9A0B722-0E02-4A75-9316-CB4E7E3A4F96}"/>
+              </a:ext>
+            </a:extLst>
+          </p:cNvPr>
           <p:cNvGrpSpPr/>
           <p:nvPr/>
         </p:nvGrpSpPr>
         <p:grpSpPr>
           <a:xfrm>
-            <a:off x="4597400" y="4341168"/>
-            <a:ext cx="889000" cy="230832"/>
-            <a:chOff x="2895600" y="807932"/>
-            <a:chExt cx="889000" cy="230832"/>
+            <a:off x="2417312" y="914400"/>
+            <a:ext cx="7260089" cy="4191000"/>
+            <a:chOff x="893311" y="914400"/>
+            <a:chExt cx="7260089" cy="4191000"/>
           </a:xfrm>
         </p:grpSpPr>
         <p:sp>
           <p:nvSpPr>
-            <p:cNvPr id="27" name="TextBox 26"/>
+            <p:cNvPr id="2" name="Rectangle 65"/>
+            <p:cNvSpPr/>
+            <p:nvPr/>
+          </p:nvSpPr>
+          <p:spPr>
+            <a:xfrm>
+              <a:off x="1066800" y="914400"/>
+              <a:ext cx="7084740" cy="3733800"/>
+            </a:xfrm>
+            <a:prstGeom prst="roundRect">
+              <a:avLst>
+                <a:gd name="adj" fmla="val 3484"/>
+              </a:avLst>
+            </a:prstGeom>
+            <a:solidFill>
+              <a:schemeClr val="accent1">
+                <a:lumMod val="20000"/>
+                <a:lumOff val="80000"/>
+              </a:schemeClr>
+            </a:solidFill>
+            <a:ln w="19050">
+              <a:noFill/>
+            </a:ln>
+            <a:effectLst/>
+          </p:spPr>
+          <p:style>
+            <a:lnRef idx="1">
+              <a:schemeClr val="accent2"/>
+            </a:lnRef>
+            <a:fillRef idx="2">
+              <a:schemeClr val="accent2"/>
+            </a:fillRef>
+            <a:effectRef idx="1">
+              <a:schemeClr val="accent2"/>
+            </a:effectRef>
+            <a:fontRef idx="minor">
+              <a:schemeClr val="dk1"/>
+            </a:fontRef>
+          </p:style>
+          <p:txBody>
+            <a:bodyPr rtlCol="0" anchor="t"/>
+            <a:lstStyle/>
+            <a:p>
+              <a:r>
+                <a:rPr lang="en-US" sz="1200" b="1" dirty="0">
+                  <a:solidFill>
+                    <a:srgbClr val="0070C0"/>
+                  </a:solidFill>
+                </a:rPr>
+                <a:t>Logic</a:t>
+              </a:r>
+              <a:endParaRPr lang="en-SG" sz="1200" b="1" dirty="0">
+                <a:solidFill>
+                  <a:srgbClr val="0070C0"/>
+                </a:solidFill>
+              </a:endParaRPr>
+            </a:p>
+          </p:txBody>
+        </p:sp>
+        <p:sp>
+          <p:nvSpPr>
+            <p:cNvPr id="3" name="Rectangle 8"/>
+            <p:cNvSpPr/>
+            <p:nvPr/>
+          </p:nvSpPr>
+          <p:spPr>
+            <a:xfrm>
+              <a:off x="2095948" y="1253067"/>
+              <a:ext cx="1093635" cy="346760"/>
+            </a:xfrm>
+            <a:prstGeom prst="rect">
+              <a:avLst/>
+            </a:prstGeom>
+            <a:solidFill>
+              <a:srgbClr val="0070C0"/>
+            </a:solidFill>
+            <a:ln w="19050">
+              <a:solidFill>
+                <a:srgbClr val="0070C0"/>
+              </a:solidFill>
+            </a:ln>
+            <a:effectLst/>
+          </p:spPr>
+          <p:style>
+            <a:lnRef idx="1">
+              <a:schemeClr val="accent2"/>
+            </a:lnRef>
+            <a:fillRef idx="2">
+              <a:schemeClr val="accent2"/>
+            </a:fillRef>
+            <a:effectRef idx="1">
+              <a:schemeClr val="accent2"/>
+            </a:effectRef>
+            <a:fontRef idx="minor">
+              <a:schemeClr val="dk1"/>
+            </a:fontRef>
+          </p:style>
+          <p:txBody>
+            <a:bodyPr rtlCol="0" anchor="ctr"/>
+            <a:lstStyle/>
+            <a:p>
+              <a:pPr algn="ctr"/>
+              <a:r>
+                <a:rPr lang="en-US" sz="1050" dirty="0" err="1">
+                  <a:solidFill>
+                    <a:schemeClr val="bg1"/>
+                  </a:solidFill>
+                </a:rPr>
+                <a:t>CommandResult</a:t>
+              </a:r>
+              <a:endParaRPr lang="en-SG" sz="1050" dirty="0">
+                <a:solidFill>
+                  <a:schemeClr val="bg1"/>
+                </a:solidFill>
+              </a:endParaRPr>
+            </a:p>
+          </p:txBody>
+        </p:sp>
+        <p:sp>
+          <p:nvSpPr>
+            <p:cNvPr id="4" name="Rectangle 11"/>
+            <p:cNvSpPr/>
+            <p:nvPr/>
+          </p:nvSpPr>
+          <p:spPr>
+            <a:xfrm flipH="1">
+              <a:off x="6878274" y="2740152"/>
+              <a:ext cx="970326" cy="346760"/>
+            </a:xfrm>
+            <a:prstGeom prst="rect">
+              <a:avLst/>
+            </a:prstGeom>
+            <a:ln w="19050">
+              <a:solidFill>
+                <a:srgbClr val="0070C0"/>
+              </a:solidFill>
+            </a:ln>
+            <a:effectLst/>
+          </p:spPr>
+          <p:style>
+            <a:lnRef idx="1">
+              <a:schemeClr val="accent1"/>
+            </a:lnRef>
+            <a:fillRef idx="2">
+              <a:schemeClr val="accent1"/>
+            </a:fillRef>
+            <a:effectRef idx="1">
+              <a:schemeClr val="accent1"/>
+            </a:effectRef>
+            <a:fontRef idx="minor">
+              <a:schemeClr val="dk1"/>
+            </a:fontRef>
+          </p:style>
+          <p:txBody>
+            <a:bodyPr rtlCol="0" anchor="ctr"/>
+            <a:lstStyle/>
+            <a:p>
+              <a:pPr algn="ctr"/>
+              <a:r>
+                <a:rPr lang="en-US" sz="1050" b="1" dirty="0" err="1">
+                  <a:solidFill>
+                    <a:srgbClr val="0070C0"/>
+                  </a:solidFill>
+                </a:rPr>
+                <a:t>XYZCommand</a:t>
+              </a:r>
+              <a:endParaRPr lang="en-SG" sz="1050" b="1" dirty="0">
+                <a:solidFill>
+                  <a:srgbClr val="0070C0"/>
+                </a:solidFill>
+              </a:endParaRPr>
+            </a:p>
+          </p:txBody>
+        </p:sp>
+        <p:sp>
+          <p:nvSpPr>
+            <p:cNvPr id="5" name="Rectangle 62"/>
+            <p:cNvSpPr/>
+            <p:nvPr/>
+          </p:nvSpPr>
+          <p:spPr>
+            <a:xfrm>
+              <a:off x="1782495" y="3583530"/>
+              <a:ext cx="1093635" cy="346760"/>
+            </a:xfrm>
+            <a:prstGeom prst="rect">
+              <a:avLst/>
+            </a:prstGeom>
+            <a:solidFill>
+              <a:srgbClr val="0070C0"/>
+            </a:solidFill>
+            <a:ln w="19050">
+              <a:solidFill>
+                <a:srgbClr val="0070C0"/>
+              </a:solidFill>
+            </a:ln>
+            <a:effectLst/>
+          </p:spPr>
+          <p:style>
+            <a:lnRef idx="1">
+              <a:schemeClr val="accent2"/>
+            </a:lnRef>
+            <a:fillRef idx="2">
+              <a:schemeClr val="accent2"/>
+            </a:fillRef>
+            <a:effectRef idx="1">
+              <a:schemeClr val="accent2"/>
+            </a:effectRef>
+            <a:fontRef idx="minor">
+              <a:schemeClr val="dk1"/>
+            </a:fontRef>
+          </p:style>
+          <p:txBody>
+            <a:bodyPr rtlCol="0" anchor="ctr"/>
+            <a:lstStyle/>
+            <a:p>
+              <a:pPr algn="ctr"/>
+              <a:r>
+                <a:rPr lang="en-US" sz="1050" dirty="0" err="1">
+                  <a:solidFill>
+                    <a:schemeClr val="bg1"/>
+                  </a:solidFill>
+                </a:rPr>
+                <a:t>LogicManager</a:t>
+              </a:r>
+              <a:endParaRPr lang="en-SG" sz="1050" dirty="0">
+                <a:solidFill>
+                  <a:schemeClr val="bg1"/>
+                </a:solidFill>
+              </a:endParaRPr>
+            </a:p>
+          </p:txBody>
+        </p:sp>
+        <p:cxnSp>
+          <p:nvCxnSpPr>
+            <p:cNvPr id="6" name="Elbow Connector 63"/>
+            <p:cNvCxnSpPr>
+              <a:stCxn id="12" idx="3"/>
+              <a:endCxn id="3" idx="3"/>
+            </p:cNvCxnSpPr>
+            <p:nvPr/>
+          </p:nvCxnSpPr>
+          <p:spPr>
+            <a:xfrm flipH="1" flipV="1">
+              <a:off x="3189583" y="1426447"/>
+              <a:ext cx="4559332" cy="2895973"/>
+            </a:xfrm>
+            <a:prstGeom prst="bentConnector3">
+              <a:avLst>
+                <a:gd name="adj1" fmla="val -5014"/>
+              </a:avLst>
+            </a:prstGeom>
+            <a:ln w="19050">
+              <a:solidFill>
+                <a:srgbClr val="0070C0"/>
+              </a:solidFill>
+              <a:prstDash val="sysDot"/>
+              <a:headEnd type="none" w="med" len="med"/>
+              <a:tailEnd type="arrow" w="med" len="med"/>
+            </a:ln>
+            <a:effectLst/>
+          </p:spPr>
+          <p:style>
+            <a:lnRef idx="1">
+              <a:schemeClr val="accent2"/>
+            </a:lnRef>
+            <a:fillRef idx="2">
+              <a:schemeClr val="accent2"/>
+            </a:fillRef>
+            <a:effectRef idx="1">
+              <a:schemeClr val="accent2"/>
+            </a:effectRef>
+            <a:fontRef idx="minor">
+              <a:schemeClr val="dk1"/>
+            </a:fontRef>
+          </p:style>
+        </p:cxnSp>
+        <p:cxnSp>
+          <p:nvCxnSpPr>
+            <p:cNvPr id="8" name="Elbow Connector 122"/>
+            <p:cNvCxnSpPr>
+              <a:endCxn id="3" idx="1"/>
+            </p:cNvCxnSpPr>
+            <p:nvPr/>
+          </p:nvCxnSpPr>
+          <p:spPr>
+            <a:xfrm>
+              <a:off x="1676400" y="1423587"/>
+              <a:ext cx="419548" cy="2860"/>
+            </a:xfrm>
+            <a:prstGeom prst="bentConnector3">
+              <a:avLst>
+                <a:gd name="adj1" fmla="val 50000"/>
+              </a:avLst>
+            </a:prstGeom>
+            <a:ln w="19050">
+              <a:solidFill>
+                <a:srgbClr val="0070C0"/>
+              </a:solidFill>
+              <a:prstDash val="sysDot"/>
+              <a:headEnd type="none" w="med" len="med"/>
+              <a:tailEnd type="arrow" w="med" len="med"/>
+            </a:ln>
+            <a:effectLst/>
+          </p:spPr>
+          <p:style>
+            <a:lnRef idx="1">
+              <a:schemeClr val="accent2"/>
+            </a:lnRef>
+            <a:fillRef idx="2">
+              <a:schemeClr val="accent2"/>
+            </a:fillRef>
+            <a:effectRef idx="1">
+              <a:schemeClr val="accent2"/>
+            </a:effectRef>
+            <a:fontRef idx="minor">
+              <a:schemeClr val="dk1"/>
+            </a:fontRef>
+          </p:style>
+        </p:cxnSp>
+        <p:sp>
+          <p:nvSpPr>
+            <p:cNvPr id="9" name="Rectangle 65"/>
+            <p:cNvSpPr/>
+            <p:nvPr/>
+          </p:nvSpPr>
+          <p:spPr>
+            <a:xfrm>
+              <a:off x="1103085" y="4777355"/>
+              <a:ext cx="7050315" cy="328045"/>
+            </a:xfrm>
+            <a:prstGeom prst="roundRect">
+              <a:avLst/>
+            </a:prstGeom>
+            <a:solidFill>
+              <a:schemeClr val="accent4">
+                <a:lumMod val="20000"/>
+                <a:lumOff val="80000"/>
+              </a:schemeClr>
+            </a:solidFill>
+            <a:ln w="19050">
+              <a:noFill/>
+            </a:ln>
+            <a:effectLst/>
+          </p:spPr>
+          <p:style>
+            <a:lnRef idx="1">
+              <a:schemeClr val="accent2"/>
+            </a:lnRef>
+            <a:fillRef idx="2">
+              <a:schemeClr val="accent2"/>
+            </a:fillRef>
+            <a:effectRef idx="1">
+              <a:schemeClr val="accent2"/>
+            </a:effectRef>
+            <a:fontRef idx="minor">
+              <a:schemeClr val="dk1"/>
+            </a:fontRef>
+          </p:style>
+          <p:txBody>
+            <a:bodyPr rtlCol="0" anchor="ctr"/>
+            <a:lstStyle/>
+            <a:p>
+              <a:pPr algn="ctr"/>
+              <a:r>
+                <a:rPr lang="en-US" sz="1100" b="1" dirty="0">
+                  <a:solidFill>
+                    <a:schemeClr val="bg1"/>
+                  </a:solidFill>
+                </a:rPr>
+                <a:t>Model</a:t>
+              </a:r>
+              <a:endParaRPr lang="en-SG" sz="1100" b="1" dirty="0">
+                <a:solidFill>
+                  <a:schemeClr val="bg1"/>
+                </a:solidFill>
+              </a:endParaRPr>
+            </a:p>
+          </p:txBody>
+        </p:sp>
+        <p:sp>
+          <p:nvSpPr>
+            <p:cNvPr id="12" name="Rectangle 62"/>
+            <p:cNvSpPr/>
+            <p:nvPr/>
+          </p:nvSpPr>
+          <p:spPr>
+            <a:xfrm>
+              <a:off x="6976872" y="4149040"/>
+              <a:ext cx="772043" cy="346760"/>
+            </a:xfrm>
+            <a:prstGeom prst="rect">
+              <a:avLst/>
+            </a:prstGeom>
+            <a:ln w="19050">
+              <a:solidFill>
+                <a:srgbClr val="0070C0"/>
+              </a:solidFill>
+            </a:ln>
+            <a:effectLst/>
+          </p:spPr>
+          <p:style>
+            <a:lnRef idx="1">
+              <a:schemeClr val="accent1"/>
+            </a:lnRef>
+            <a:fillRef idx="2">
+              <a:schemeClr val="accent1"/>
+            </a:fillRef>
+            <a:effectRef idx="1">
+              <a:schemeClr val="accent1"/>
+            </a:effectRef>
+            <a:fontRef idx="minor">
+              <a:schemeClr val="dk1"/>
+            </a:fontRef>
+          </p:style>
+          <p:txBody>
+            <a:bodyPr rtlCol="0" anchor="ctr"/>
+            <a:lstStyle/>
+            <a:p>
+              <a:pPr algn="ctr"/>
+              <a:r>
+                <a:rPr lang="en-US" sz="1050" b="1" dirty="0">
+                  <a:solidFill>
+                    <a:srgbClr val="0070C0"/>
+                  </a:solidFill>
+                </a:rPr>
+                <a:t>{abstract}</a:t>
+              </a:r>
+              <a:br>
+                <a:rPr lang="en-US" sz="1050" b="1" dirty="0">
+                  <a:solidFill>
+                    <a:srgbClr val="0070C0"/>
+                  </a:solidFill>
+                </a:rPr>
+              </a:br>
+              <a:r>
+                <a:rPr lang="en-US" sz="1050" b="1" dirty="0">
+                  <a:solidFill>
+                    <a:srgbClr val="0070C0"/>
+                  </a:solidFill>
+                </a:rPr>
+                <a:t>Command</a:t>
+              </a:r>
+              <a:endParaRPr lang="en-SG" sz="1050" b="1" dirty="0">
+                <a:solidFill>
+                  <a:srgbClr val="0070C0"/>
+                </a:solidFill>
+              </a:endParaRPr>
+            </a:p>
+          </p:txBody>
+        </p:sp>
+        <p:sp>
+          <p:nvSpPr>
+            <p:cNvPr id="16" name="Rectangle 62"/>
+            <p:cNvSpPr/>
+            <p:nvPr/>
+          </p:nvSpPr>
+          <p:spPr>
+            <a:xfrm>
+              <a:off x="3255418" y="3554995"/>
+              <a:ext cx="1045323" cy="384497"/>
+            </a:xfrm>
+            <a:prstGeom prst="rect">
+              <a:avLst/>
+            </a:prstGeom>
+            <a:solidFill>
+              <a:schemeClr val="accent5"/>
+            </a:solidFill>
+            <a:ln/>
+            <a:effectLst/>
+          </p:spPr>
+          <p:style>
+            <a:lnRef idx="1">
+              <a:schemeClr val="accent5"/>
+            </a:lnRef>
+            <a:fillRef idx="2">
+              <a:schemeClr val="accent5"/>
+            </a:fillRef>
+            <a:effectRef idx="1">
+              <a:schemeClr val="accent5"/>
+            </a:effectRef>
+            <a:fontRef idx="minor">
+              <a:schemeClr val="dk1"/>
+            </a:fontRef>
+          </p:style>
+          <p:txBody>
+            <a:bodyPr rtlCol="0" anchor="ctr"/>
+            <a:lstStyle/>
+            <a:p>
+              <a:pPr algn="ctr"/>
+              <a:r>
+                <a:rPr lang="en-US" sz="1050" dirty="0" err="1">
+                  <a:solidFill>
+                    <a:schemeClr val="bg1"/>
+                  </a:solidFill>
+                </a:rPr>
+                <a:t>AddressBook</a:t>
+              </a:r>
+              <a:endParaRPr lang="en-US" sz="1050" dirty="0">
+                <a:solidFill>
+                  <a:schemeClr val="bg1"/>
+                </a:solidFill>
+              </a:endParaRPr>
+            </a:p>
+            <a:p>
+              <a:pPr algn="ctr"/>
+              <a:r>
+                <a:rPr lang="en-US" sz="1050" dirty="0">
+                  <a:solidFill>
+                    <a:schemeClr val="bg1"/>
+                  </a:solidFill>
+                </a:rPr>
+                <a:t>Parser</a:t>
+              </a:r>
+              <a:endParaRPr lang="en-SG" sz="1050" dirty="0">
+                <a:solidFill>
+                  <a:schemeClr val="bg1"/>
+                </a:solidFill>
+              </a:endParaRPr>
+            </a:p>
+          </p:txBody>
+        </p:sp>
+        <p:cxnSp>
+          <p:nvCxnSpPr>
+            <p:cNvPr id="18" name="Straight Arrow Connector 110"/>
+            <p:cNvCxnSpPr>
+              <a:stCxn id="12" idx="2"/>
+            </p:cNvCxnSpPr>
+            <p:nvPr/>
+          </p:nvCxnSpPr>
+          <p:spPr>
+            <a:xfrm>
+              <a:off x="7362894" y="4495800"/>
+              <a:ext cx="0" cy="281555"/>
+            </a:xfrm>
+            <a:prstGeom prst="straightConnector1">
+              <a:avLst/>
+            </a:prstGeom>
+            <a:ln w="19050">
+              <a:solidFill>
+                <a:srgbClr val="0070C0"/>
+              </a:solidFill>
+              <a:prstDash val="sysDot"/>
+              <a:headEnd type="none" w="med" len="med"/>
+              <a:tailEnd type="arrow" w="med" len="med"/>
+            </a:ln>
+            <a:effectLst/>
+          </p:spPr>
+          <p:style>
+            <a:lnRef idx="1">
+              <a:schemeClr val="accent2"/>
+            </a:lnRef>
+            <a:fillRef idx="2">
+              <a:schemeClr val="accent2"/>
+            </a:fillRef>
+            <a:effectRef idx="1">
+              <a:schemeClr val="accent2"/>
+            </a:effectRef>
+            <a:fontRef idx="minor">
+              <a:schemeClr val="dk1"/>
+            </a:fontRef>
+          </p:style>
+        </p:cxnSp>
+        <p:sp>
+          <p:nvSpPr>
+            <p:cNvPr id="19" name="Rectangle 62"/>
+            <p:cNvSpPr/>
+            <p:nvPr/>
+          </p:nvSpPr>
+          <p:spPr>
+            <a:xfrm rot="16200000">
+              <a:off x="398120" y="2150720"/>
+              <a:ext cx="2209800" cy="346760"/>
+            </a:xfrm>
+            <a:prstGeom prst="rect">
+              <a:avLst/>
+            </a:prstGeom>
+            <a:solidFill>
+              <a:srgbClr val="0070C0"/>
+            </a:solidFill>
+            <a:ln w="19050">
+              <a:solidFill>
+                <a:srgbClr val="0070C0"/>
+              </a:solidFill>
+            </a:ln>
+            <a:effectLst/>
+          </p:spPr>
+          <p:style>
+            <a:lnRef idx="1">
+              <a:schemeClr val="accent2"/>
+            </a:lnRef>
+            <a:fillRef idx="2">
+              <a:schemeClr val="accent2"/>
+            </a:fillRef>
+            <a:effectRef idx="1">
+              <a:schemeClr val="accent2"/>
+            </a:effectRef>
+            <a:fontRef idx="minor">
+              <a:schemeClr val="dk1"/>
+            </a:fontRef>
+          </p:style>
+          <p:txBody>
+            <a:bodyPr rtlCol="0" anchor="ctr"/>
+            <a:lstStyle/>
+            <a:p>
+              <a:pPr algn="ctr"/>
+              <a:r>
+                <a:rPr lang="en-US" sz="1050" dirty="0">
+                  <a:solidFill>
+                    <a:schemeClr val="bg1"/>
+                  </a:solidFill>
+                </a:rPr>
+                <a:t>&lt;&lt;interface&gt;&gt;</a:t>
+              </a:r>
+            </a:p>
+            <a:p>
+              <a:pPr algn="ctr"/>
+              <a:r>
+                <a:rPr lang="en-US" sz="1050" dirty="0">
+                  <a:solidFill>
+                    <a:schemeClr val="bg1"/>
+                  </a:solidFill>
+                </a:rPr>
+                <a:t>Logic</a:t>
+              </a:r>
+              <a:endParaRPr lang="en-SG" sz="1050" dirty="0">
+                <a:solidFill>
+                  <a:schemeClr val="bg1"/>
+                </a:solidFill>
+              </a:endParaRPr>
+            </a:p>
+          </p:txBody>
+        </p:sp>
+        <p:sp>
+          <p:nvSpPr>
+            <p:cNvPr id="20" name="Isosceles Triangle 102"/>
+            <p:cNvSpPr/>
+            <p:nvPr/>
+          </p:nvSpPr>
+          <p:spPr>
+            <a:xfrm>
+              <a:off x="1359039" y="3429000"/>
+              <a:ext cx="270504" cy="175523"/>
+            </a:xfrm>
+            <a:prstGeom prst="triangle">
+              <a:avLst/>
+            </a:prstGeom>
+            <a:solidFill>
+              <a:schemeClr val="tx2">
+                <a:lumMod val="60000"/>
+                <a:lumOff val="40000"/>
+              </a:schemeClr>
+            </a:solidFill>
+            <a:ln w="19050">
+              <a:solidFill>
+                <a:srgbClr val="0070C0"/>
+              </a:solidFill>
+            </a:ln>
+            <a:effectLst/>
+          </p:spPr>
+          <p:style>
+            <a:lnRef idx="1">
+              <a:schemeClr val="accent1"/>
+            </a:lnRef>
+            <a:fillRef idx="2">
+              <a:schemeClr val="accent1"/>
+            </a:fillRef>
+            <a:effectRef idx="1">
+              <a:schemeClr val="accent1"/>
+            </a:effectRef>
+            <a:fontRef idx="minor">
+              <a:schemeClr val="dk1"/>
+            </a:fontRef>
+          </p:style>
+          <p:txBody>
+            <a:bodyPr rtlCol="0" anchor="ctr"/>
+            <a:lstStyle/>
+            <a:p>
+              <a:pPr algn="ctr"/>
+              <a:endParaRPr lang="en-SG" sz="1050" b="1">
+                <a:solidFill>
+                  <a:srgbClr val="92D050"/>
+                </a:solidFill>
+              </a:endParaRPr>
+            </a:p>
+          </p:txBody>
+        </p:sp>
+        <p:cxnSp>
+          <p:nvCxnSpPr>
+            <p:cNvPr id="21" name="Elbow Connector 63"/>
+            <p:cNvCxnSpPr>
+              <a:stCxn id="5" idx="1"/>
+              <a:endCxn id="20" idx="3"/>
+            </p:cNvCxnSpPr>
+            <p:nvPr/>
+          </p:nvCxnSpPr>
+          <p:spPr>
+            <a:xfrm rot="10800000">
+              <a:off x="1494291" y="3604524"/>
+              <a:ext cx="288204" cy="152387"/>
+            </a:xfrm>
+            <a:prstGeom prst="bentConnector2">
+              <a:avLst/>
+            </a:prstGeom>
+            <a:ln w="19050">
+              <a:solidFill>
+                <a:srgbClr val="0070C0"/>
+              </a:solidFill>
+              <a:prstDash val="sysDot"/>
+              <a:headEnd type="none" w="med" len="med"/>
+              <a:tailEnd type="none" w="med" len="med"/>
+            </a:ln>
+            <a:effectLst/>
+          </p:spPr>
+          <p:style>
+            <a:lnRef idx="1">
+              <a:schemeClr val="accent2"/>
+            </a:lnRef>
+            <a:fillRef idx="2">
+              <a:schemeClr val="accent2"/>
+            </a:fillRef>
+            <a:effectRef idx="1">
+              <a:schemeClr val="accent2"/>
+            </a:effectRef>
+            <a:fontRef idx="minor">
+              <a:schemeClr val="dk1"/>
+            </a:fontRef>
+          </p:style>
+        </p:cxnSp>
+        <p:cxnSp>
+          <p:nvCxnSpPr>
+            <p:cNvPr id="23" name="Straight Arrow Connector 57"/>
+            <p:cNvCxnSpPr>
+              <a:stCxn id="5" idx="2"/>
+            </p:cNvCxnSpPr>
+            <p:nvPr/>
+          </p:nvCxnSpPr>
+          <p:spPr>
+            <a:xfrm>
+              <a:off x="2329313" y="3930290"/>
+              <a:ext cx="1376" cy="854841"/>
+            </a:xfrm>
+            <a:prstGeom prst="straightConnector1">
+              <a:avLst/>
+            </a:prstGeom>
+            <a:ln w="19050">
+              <a:solidFill>
+                <a:srgbClr val="0070C0"/>
+              </a:solidFill>
+              <a:headEnd type="none" w="med" len="med"/>
+              <a:tailEnd type="arrow" w="med" len="med"/>
+            </a:ln>
+            <a:effectLst/>
+          </p:spPr>
+          <p:style>
+            <a:lnRef idx="1">
+              <a:schemeClr val="accent2"/>
+            </a:lnRef>
+            <a:fillRef idx="2">
+              <a:schemeClr val="accent2"/>
+            </a:fillRef>
+            <a:effectRef idx="1">
+              <a:schemeClr val="accent2"/>
+            </a:effectRef>
+            <a:fontRef idx="minor">
+              <a:schemeClr val="dk1"/>
+            </a:fontRef>
+          </p:style>
+        </p:cxnSp>
+        <p:cxnSp>
+          <p:nvCxnSpPr>
+            <p:cNvPr id="24" name="Elbow Connector 122"/>
+            <p:cNvCxnSpPr/>
+            <p:nvPr/>
+          </p:nvCxnSpPr>
+          <p:spPr>
+            <a:xfrm>
+              <a:off x="893311" y="2832505"/>
+              <a:ext cx="419548" cy="2860"/>
+            </a:xfrm>
+            <a:prstGeom prst="bentConnector3">
+              <a:avLst>
+                <a:gd name="adj1" fmla="val 50000"/>
+              </a:avLst>
+            </a:prstGeom>
+            <a:ln w="19050">
+              <a:solidFill>
+                <a:schemeClr val="bg1">
+                  <a:lumMod val="75000"/>
+                </a:schemeClr>
+              </a:solidFill>
+              <a:prstDash val="sysDot"/>
+              <a:headEnd type="none" w="med" len="med"/>
+              <a:tailEnd type="arrow" w="med" len="med"/>
+            </a:ln>
+            <a:effectLst/>
+          </p:spPr>
+          <p:style>
+            <a:lnRef idx="1">
+              <a:schemeClr val="accent2"/>
+            </a:lnRef>
+            <a:fillRef idx="2">
+              <a:schemeClr val="accent2"/>
+            </a:fillRef>
+            <a:effectRef idx="1">
+              <a:schemeClr val="accent2"/>
+            </a:effectRef>
+            <a:fontRef idx="minor">
+              <a:schemeClr val="dk1"/>
+            </a:fontRef>
+          </p:style>
+        </p:cxnSp>
+        <p:cxnSp>
+          <p:nvCxnSpPr>
+            <p:cNvPr id="25" name="Elbow Connector 63"/>
+            <p:cNvCxnSpPr>
+              <a:endCxn id="12" idx="1"/>
+            </p:cNvCxnSpPr>
+            <p:nvPr/>
+          </p:nvCxnSpPr>
+          <p:spPr>
+            <a:xfrm>
+              <a:off x="2281833" y="3939492"/>
+              <a:ext cx="4695039" cy="382928"/>
+            </a:xfrm>
+            <a:prstGeom prst="bentConnector3">
+              <a:avLst>
+                <a:gd name="adj1" fmla="val -81"/>
+              </a:avLst>
+            </a:prstGeom>
+            <a:ln w="19050">
+              <a:solidFill>
+                <a:srgbClr val="0070C0"/>
+              </a:solidFill>
+              <a:prstDash val="sysDot"/>
+              <a:headEnd type="none" w="med" len="med"/>
+              <a:tailEnd type="arrow" w="med" len="med"/>
+            </a:ln>
+            <a:effectLst/>
+          </p:spPr>
+          <p:style>
+            <a:lnRef idx="1">
+              <a:schemeClr val="accent2"/>
+            </a:lnRef>
+            <a:fillRef idx="2">
+              <a:schemeClr val="accent2"/>
+            </a:fillRef>
+            <a:effectRef idx="1">
+              <a:schemeClr val="accent2"/>
+            </a:effectRef>
+            <a:fontRef idx="minor">
+              <a:schemeClr val="dk1"/>
+            </a:fontRef>
+          </p:style>
+        </p:cxnSp>
+        <p:grpSp>
+          <p:nvGrpSpPr>
+            <p:cNvPr id="26" name="Group 25"/>
+            <p:cNvGrpSpPr/>
+            <p:nvPr/>
+          </p:nvGrpSpPr>
+          <p:grpSpPr>
+            <a:xfrm>
+              <a:off x="4597400" y="4341168"/>
+              <a:ext cx="889000" cy="230832"/>
+              <a:chOff x="2895600" y="807932"/>
+              <a:chExt cx="889000" cy="230832"/>
+            </a:xfrm>
+          </p:grpSpPr>
+          <p:sp>
+            <p:nvSpPr>
+              <p:cNvPr id="27" name="TextBox 26"/>
+              <p:cNvSpPr txBox="1"/>
+              <p:nvPr/>
+            </p:nvSpPr>
+            <p:spPr>
+              <a:xfrm>
+                <a:off x="2895600" y="807932"/>
+                <a:ext cx="728806" cy="230832"/>
+              </a:xfrm>
+              <a:prstGeom prst="rect">
+                <a:avLst/>
+              </a:prstGeom>
+              <a:noFill/>
+            </p:spPr>
+            <p:txBody>
+              <a:bodyPr wrap="square" lIns="0" tIns="0" rIns="0" bIns="0" rtlCol="0">
+                <a:noAutofit/>
+              </a:bodyPr>
+              <a:lstStyle/>
+              <a:p>
+                <a:pPr algn="r"/>
+                <a:r>
+                  <a:rPr lang="en-US" sz="1100" dirty="0">
+                    <a:solidFill>
+                      <a:srgbClr val="0070C0"/>
+                    </a:solidFill>
+                  </a:rPr>
+                  <a:t>executes</a:t>
+                </a:r>
+                <a:endParaRPr lang="en-SG" sz="1100" dirty="0">
+                  <a:solidFill>
+                    <a:srgbClr val="0070C0"/>
+                  </a:solidFill>
+                </a:endParaRPr>
+              </a:p>
+            </p:txBody>
+          </p:sp>
+          <p:sp>
+            <p:nvSpPr>
+              <p:cNvPr id="28" name="Isosceles Triangle 27"/>
+              <p:cNvSpPr/>
+              <p:nvPr/>
+            </p:nvSpPr>
+            <p:spPr>
+              <a:xfrm rot="5400000">
+                <a:off x="3683524" y="866776"/>
+                <a:ext cx="125951" cy="76201"/>
+              </a:xfrm>
+              <a:prstGeom prst="triangle">
+                <a:avLst/>
+              </a:prstGeom>
+              <a:solidFill>
+                <a:srgbClr val="0070C0"/>
+              </a:solidFill>
+              <a:ln>
+                <a:noFill/>
+              </a:ln>
+            </p:spPr>
+            <p:style>
+              <a:lnRef idx="2">
+                <a:schemeClr val="accent1">
+                  <a:shade val="50000"/>
+                </a:schemeClr>
+              </a:lnRef>
+              <a:fillRef idx="1">
+                <a:schemeClr val="accent1"/>
+              </a:fillRef>
+              <a:effectRef idx="0">
+                <a:schemeClr val="accent1"/>
+              </a:effectRef>
+              <a:fontRef idx="minor">
+                <a:schemeClr val="lt1"/>
+              </a:fontRef>
+            </p:style>
+            <p:txBody>
+              <a:bodyPr rtlCol="0" anchor="ctr"/>
+              <a:lstStyle/>
+              <a:p>
+                <a:pPr algn="ctr"/>
+                <a:endParaRPr lang="en-SG"/>
+              </a:p>
+            </p:txBody>
+          </p:sp>
+        </p:grpSp>
+        <p:grpSp>
+          <p:nvGrpSpPr>
+            <p:cNvPr id="29" name="Group 28"/>
+            <p:cNvGrpSpPr/>
+            <p:nvPr/>
+          </p:nvGrpSpPr>
+          <p:grpSpPr>
+            <a:xfrm>
+              <a:off x="4665110" y="1219200"/>
+              <a:ext cx="868568" cy="230832"/>
+              <a:chOff x="2755838" y="789460"/>
+              <a:chExt cx="868568" cy="230832"/>
+            </a:xfrm>
+          </p:grpSpPr>
+          <p:sp>
+            <p:nvSpPr>
+              <p:cNvPr id="30" name="TextBox 29"/>
+              <p:cNvSpPr txBox="1"/>
+              <p:nvPr/>
+            </p:nvSpPr>
+            <p:spPr>
+              <a:xfrm>
+                <a:off x="2895600" y="789460"/>
+                <a:ext cx="728806" cy="230832"/>
+              </a:xfrm>
+              <a:prstGeom prst="rect">
+                <a:avLst/>
+              </a:prstGeom>
+              <a:noFill/>
+            </p:spPr>
+            <p:txBody>
+              <a:bodyPr wrap="square" lIns="0" tIns="0" rIns="0" bIns="0" rtlCol="0">
+                <a:noAutofit/>
+              </a:bodyPr>
+              <a:lstStyle/>
+              <a:p>
+                <a:r>
+                  <a:rPr lang="en-US" sz="1100" dirty="0">
+                    <a:solidFill>
+                      <a:srgbClr val="0070C0"/>
+                    </a:solidFill>
+                  </a:rPr>
+                  <a:t>produces</a:t>
+                </a:r>
+                <a:endParaRPr lang="en-SG" sz="1100" dirty="0">
+                  <a:solidFill>
+                    <a:srgbClr val="0070C0"/>
+                  </a:solidFill>
+                </a:endParaRPr>
+              </a:p>
+            </p:txBody>
+          </p:sp>
+          <p:sp>
+            <p:nvSpPr>
+              <p:cNvPr id="31" name="Isosceles Triangle 30"/>
+              <p:cNvSpPr/>
+              <p:nvPr/>
+            </p:nvSpPr>
+            <p:spPr>
+              <a:xfrm rot="16200000" flipH="1">
+                <a:off x="2730963" y="857181"/>
+                <a:ext cx="125951" cy="76201"/>
+              </a:xfrm>
+              <a:prstGeom prst="triangle">
+                <a:avLst/>
+              </a:prstGeom>
+              <a:solidFill>
+                <a:srgbClr val="0070C0"/>
+              </a:solidFill>
+              <a:ln>
+                <a:noFill/>
+              </a:ln>
+            </p:spPr>
+            <p:style>
+              <a:lnRef idx="2">
+                <a:schemeClr val="accent1">
+                  <a:shade val="50000"/>
+                </a:schemeClr>
+              </a:lnRef>
+              <a:fillRef idx="1">
+                <a:schemeClr val="accent1"/>
+              </a:fillRef>
+              <a:effectRef idx="0">
+                <a:schemeClr val="accent1"/>
+              </a:effectRef>
+              <a:fontRef idx="minor">
+                <a:schemeClr val="lt1"/>
+              </a:fontRef>
+            </p:style>
+            <p:txBody>
+              <a:bodyPr rtlCol="0" anchor="ctr"/>
+              <a:lstStyle/>
+              <a:p>
+                <a:pPr algn="ctr"/>
+                <a:endParaRPr lang="en-SG"/>
+              </a:p>
+            </p:txBody>
+          </p:sp>
+        </p:grpSp>
+        <p:sp>
+          <p:nvSpPr>
+            <p:cNvPr id="33" name="TextBox 32"/>
             <p:cNvSpPr txBox="1"/>
             <p:nvPr/>
           </p:nvSpPr>
           <p:spPr>
             <a:xfrm>
-              <a:off x="2895600" y="807932"/>
-              <a:ext cx="728806" cy="230832"/>
+              <a:off x="3048000" y="3733800"/>
+              <a:ext cx="131116" cy="230832"/>
             </a:xfrm>
             <a:prstGeom prst="rect">
               <a:avLst/>
@@ -4346,7 +4547,7 @@
                     <a:srgbClr val="0070C0"/>
                   </a:solidFill>
                 </a:rPr>
-                <a:t>executes</a:t>
+                <a:t>1</a:t>
               </a:r>
               <a:endParaRPr lang="en-SG" sz="1100" dirty="0">
                 <a:solidFill>
@@ -4356,41 +4557,89 @@
             </a:p>
           </p:txBody>
         </p:sp>
+        <p:cxnSp>
+          <p:nvCxnSpPr>
+            <p:cNvPr id="39" name="Elbow Connector 122"/>
+            <p:cNvCxnSpPr/>
+            <p:nvPr/>
+          </p:nvCxnSpPr>
+          <p:spPr>
+            <a:xfrm rot="5400000" flipH="1" flipV="1">
+              <a:off x="1193276" y="2601868"/>
+              <a:ext cx="1969553" cy="2764"/>
+            </a:xfrm>
+            <a:prstGeom prst="bentConnector3">
+              <a:avLst>
+                <a:gd name="adj1" fmla="val 50000"/>
+              </a:avLst>
+            </a:prstGeom>
+            <a:ln w="19050">
+              <a:solidFill>
+                <a:srgbClr val="0070C0"/>
+              </a:solidFill>
+              <a:prstDash val="sysDot"/>
+              <a:headEnd type="none" w="med" len="med"/>
+              <a:tailEnd type="arrow" w="med" len="med"/>
+            </a:ln>
+            <a:effectLst/>
+          </p:spPr>
+          <p:style>
+            <a:lnRef idx="1">
+              <a:schemeClr val="accent2"/>
+            </a:lnRef>
+            <a:fillRef idx="2">
+              <a:schemeClr val="accent2"/>
+            </a:fillRef>
+            <a:effectRef idx="1">
+              <a:schemeClr val="accent2"/>
+            </a:effectRef>
+            <a:fontRef idx="minor">
+              <a:schemeClr val="dk1"/>
+            </a:fontRef>
+          </p:style>
+        </p:cxnSp>
         <p:sp>
           <p:nvSpPr>
-            <p:cNvPr id="28" name="Isosceles Triangle 27"/>
+            <p:cNvPr id="56" name="Rectangle 62"/>
             <p:cNvSpPr/>
             <p:nvPr/>
           </p:nvSpPr>
           <p:spPr>
-            <a:xfrm rot="5400000">
-              <a:off x="3683524" y="866776"/>
-              <a:ext cx="125951" cy="76201"/>
+            <a:xfrm>
+              <a:off x="3174214" y="1862795"/>
+              <a:ext cx="751107" cy="346760"/>
             </a:xfrm>
-            <a:prstGeom prst="triangle">
+            <a:prstGeom prst="rect">
               <a:avLst/>
             </a:prstGeom>
             <a:solidFill>
-              <a:srgbClr val="0070C0"/>
+              <a:schemeClr val="accent5">
+                <a:lumMod val="60000"/>
+                <a:lumOff val="40000"/>
+              </a:schemeClr>
             </a:solidFill>
-            <a:ln>
-              <a:noFill/>
+            <a:ln w="19050">
+              <a:solidFill>
+                <a:schemeClr val="accent5">
+                  <a:lumMod val="60000"/>
+                  <a:lumOff val="40000"/>
+                </a:schemeClr>
+              </a:solidFill>
             </a:ln>
+            <a:effectLst/>
           </p:spPr>
           <p:style>
-            <a:lnRef idx="2">
-              <a:schemeClr val="accent1">
-                <a:shade val="50000"/>
-              </a:schemeClr>
+            <a:lnRef idx="1">
+              <a:schemeClr val="accent2"/>
             </a:lnRef>
-            <a:fillRef idx="1">
-              <a:schemeClr val="accent1"/>
+            <a:fillRef idx="2">
+              <a:schemeClr val="accent2"/>
             </a:fillRef>
-            <a:effectRef idx="0">
-              <a:schemeClr val="accent1"/>
+            <a:effectRef idx="1">
+              <a:schemeClr val="accent2"/>
             </a:effectRef>
             <a:fontRef idx="minor">
-              <a:schemeClr val="lt1"/>
+              <a:schemeClr val="dk1"/>
             </a:fontRef>
           </p:style>
           <p:txBody>
@@ -4398,35 +4647,858 @@
             <a:lstStyle/>
             <a:p>
               <a:pPr algn="ctr"/>
-              <a:endParaRPr lang="en-SG"/>
+              <a:r>
+                <a:rPr lang="en-US" sz="1050">
+                  <a:solidFill>
+                    <a:schemeClr val="bg1"/>
+                  </a:solidFill>
+                </a:rPr>
+                <a:t>Argument</a:t>
+              </a:r>
+              <a:br>
+                <a:rPr lang="en-US" sz="1050">
+                  <a:solidFill>
+                    <a:schemeClr val="bg1"/>
+                  </a:solidFill>
+                </a:rPr>
+              </a:br>
+              <a:r>
+                <a:rPr lang="en-US" sz="1050">
+                  <a:solidFill>
+                    <a:schemeClr val="bg1"/>
+                  </a:solidFill>
+                </a:rPr>
+                <a:t>Tokenizer</a:t>
+              </a:r>
+              <a:endParaRPr lang="en-SG" sz="1050" dirty="0">
+                <a:solidFill>
+                  <a:schemeClr val="bg1"/>
+                </a:solidFill>
+              </a:endParaRPr>
             </a:p>
           </p:txBody>
         </p:sp>
-      </p:grpSp>
-      <p:grpSp>
-        <p:nvGrpSpPr>
-          <p:cNvPr id="29" name="Group 28"/>
-          <p:cNvGrpSpPr/>
-          <p:nvPr/>
-        </p:nvGrpSpPr>
-        <p:grpSpPr>
-          <a:xfrm>
-            <a:off x="4665110" y="1219200"/>
-            <a:ext cx="868568" cy="230832"/>
-            <a:chOff x="2755838" y="789460"/>
-            <a:chExt cx="868568" cy="230832"/>
-          </a:xfrm>
-        </p:grpSpPr>
         <p:sp>
           <p:nvSpPr>
-            <p:cNvPr id="30" name="TextBox 29"/>
+            <p:cNvPr id="58" name="Rectangle 62"/>
+            <p:cNvSpPr/>
+            <p:nvPr/>
+          </p:nvSpPr>
+          <p:spPr>
+            <a:xfrm>
+              <a:off x="2238496" y="2454481"/>
+              <a:ext cx="726243" cy="174580"/>
+            </a:xfrm>
+            <a:prstGeom prst="rect">
+              <a:avLst/>
+            </a:prstGeom>
+            <a:solidFill>
+              <a:schemeClr val="accent5">
+                <a:lumMod val="60000"/>
+                <a:lumOff val="40000"/>
+              </a:schemeClr>
+            </a:solidFill>
+            <a:ln w="19050">
+              <a:solidFill>
+                <a:schemeClr val="accent5">
+                  <a:lumMod val="60000"/>
+                  <a:lumOff val="40000"/>
+                </a:schemeClr>
+              </a:solidFill>
+            </a:ln>
+            <a:effectLst/>
+          </p:spPr>
+          <p:style>
+            <a:lnRef idx="1">
+              <a:schemeClr val="accent2"/>
+            </a:lnRef>
+            <a:fillRef idx="2">
+              <a:schemeClr val="accent2"/>
+            </a:fillRef>
+            <a:effectRef idx="1">
+              <a:schemeClr val="accent2"/>
+            </a:effectRef>
+            <a:fontRef idx="minor">
+              <a:schemeClr val="dk1"/>
+            </a:fontRef>
+          </p:style>
+          <p:txBody>
+            <a:bodyPr rtlCol="0" anchor="ctr"/>
+            <a:lstStyle/>
+            <a:p>
+              <a:pPr algn="ctr"/>
+              <a:r>
+                <a:rPr lang="en-US" sz="1050" dirty="0">
+                  <a:solidFill>
+                    <a:schemeClr val="bg1"/>
+                  </a:solidFill>
+                </a:rPr>
+                <a:t>Prefix</a:t>
+              </a:r>
+              <a:endParaRPr lang="en-SG" sz="1050" dirty="0">
+                <a:solidFill>
+                  <a:schemeClr val="bg1"/>
+                </a:solidFill>
+              </a:endParaRPr>
+            </a:p>
+          </p:txBody>
+        </p:sp>
+        <p:sp>
+          <p:nvSpPr>
+            <p:cNvPr id="60" name="Rectangle 62"/>
+            <p:cNvSpPr/>
+            <p:nvPr/>
+          </p:nvSpPr>
+          <p:spPr>
+            <a:xfrm>
+              <a:off x="3186326" y="2841725"/>
+              <a:ext cx="731636" cy="283820"/>
+            </a:xfrm>
+            <a:prstGeom prst="rect">
+              <a:avLst/>
+            </a:prstGeom>
+            <a:solidFill>
+              <a:schemeClr val="accent5">
+                <a:lumMod val="60000"/>
+                <a:lumOff val="40000"/>
+              </a:schemeClr>
+            </a:solidFill>
+            <a:ln w="19050">
+              <a:solidFill>
+                <a:schemeClr val="accent5">
+                  <a:lumMod val="60000"/>
+                  <a:lumOff val="40000"/>
+                </a:schemeClr>
+              </a:solidFill>
+            </a:ln>
+            <a:effectLst/>
+          </p:spPr>
+          <p:style>
+            <a:lnRef idx="1">
+              <a:schemeClr val="accent2"/>
+            </a:lnRef>
+            <a:fillRef idx="2">
+              <a:schemeClr val="accent2"/>
+            </a:fillRef>
+            <a:effectRef idx="1">
+              <a:schemeClr val="accent2"/>
+            </a:effectRef>
+            <a:fontRef idx="minor">
+              <a:schemeClr val="dk1"/>
+            </a:fontRef>
+          </p:style>
+          <p:txBody>
+            <a:bodyPr rtlCol="0" anchor="ctr"/>
+            <a:lstStyle/>
+            <a:p>
+              <a:pPr algn="ctr"/>
+              <a:r>
+                <a:rPr lang="en-SG" sz="1050" dirty="0" err="1">
+                  <a:solidFill>
+                    <a:schemeClr val="bg1"/>
+                  </a:solidFill>
+                </a:rPr>
+                <a:t>CliSyntax</a:t>
+              </a:r>
+              <a:endParaRPr lang="en-SG" sz="1050" dirty="0">
+                <a:solidFill>
+                  <a:schemeClr val="bg1"/>
+                </a:solidFill>
+              </a:endParaRPr>
+            </a:p>
+          </p:txBody>
+        </p:sp>
+        <p:sp>
+          <p:nvSpPr>
+            <p:cNvPr id="62" name="Rectangle 62"/>
+            <p:cNvSpPr/>
+            <p:nvPr/>
+          </p:nvSpPr>
+          <p:spPr>
+            <a:xfrm>
+              <a:off x="3186326" y="3190882"/>
+              <a:ext cx="731636" cy="283820"/>
+            </a:xfrm>
+            <a:prstGeom prst="rect">
+              <a:avLst/>
+            </a:prstGeom>
+            <a:solidFill>
+              <a:schemeClr val="accent5">
+                <a:lumMod val="60000"/>
+                <a:lumOff val="40000"/>
+              </a:schemeClr>
+            </a:solidFill>
+            <a:ln w="19050">
+              <a:solidFill>
+                <a:schemeClr val="accent5">
+                  <a:lumMod val="60000"/>
+                  <a:lumOff val="40000"/>
+                </a:schemeClr>
+              </a:solidFill>
+            </a:ln>
+            <a:effectLst/>
+          </p:spPr>
+          <p:style>
+            <a:lnRef idx="1">
+              <a:schemeClr val="accent2"/>
+            </a:lnRef>
+            <a:fillRef idx="2">
+              <a:schemeClr val="accent2"/>
+            </a:fillRef>
+            <a:effectRef idx="1">
+              <a:schemeClr val="accent2"/>
+            </a:effectRef>
+            <a:fontRef idx="minor">
+              <a:schemeClr val="dk1"/>
+            </a:fontRef>
+          </p:style>
+          <p:txBody>
+            <a:bodyPr rtlCol="0" anchor="ctr"/>
+            <a:lstStyle/>
+            <a:p>
+              <a:pPr algn="ctr"/>
+              <a:r>
+                <a:rPr lang="en-SG" sz="1050" dirty="0" err="1">
+                  <a:solidFill>
+                    <a:schemeClr val="bg1"/>
+                  </a:solidFill>
+                </a:rPr>
+                <a:t>ParserUtil</a:t>
+              </a:r>
+              <a:endParaRPr lang="en-SG" sz="1050" dirty="0">
+                <a:solidFill>
+                  <a:schemeClr val="bg1"/>
+                </a:solidFill>
+              </a:endParaRPr>
+            </a:p>
+          </p:txBody>
+        </p:sp>
+        <p:cxnSp>
+          <p:nvCxnSpPr>
+            <p:cNvPr id="13" name="Elbow Connector 12"/>
+            <p:cNvCxnSpPr>
+              <a:cxnSpLocks/>
+              <a:stCxn id="60" idx="1"/>
+              <a:endCxn id="58" idx="2"/>
+            </p:cNvCxnSpPr>
+            <p:nvPr/>
+          </p:nvCxnSpPr>
+          <p:spPr>
+            <a:xfrm rot="10800000">
+              <a:off x="2601618" y="2629061"/>
+              <a:ext cx="584708" cy="354574"/>
+            </a:xfrm>
+            <a:prstGeom prst="bentConnector2">
+              <a:avLst/>
+            </a:prstGeom>
+            <a:ln w="19050">
+              <a:solidFill>
+                <a:schemeClr val="accent5">
+                  <a:lumMod val="60000"/>
+                  <a:lumOff val="40000"/>
+                </a:schemeClr>
+              </a:solidFill>
+              <a:prstDash val="sysDot"/>
+              <a:headEnd type="none" w="med" len="med"/>
+              <a:tailEnd type="arrow" w="med" len="med"/>
+            </a:ln>
+            <a:effectLst/>
+          </p:spPr>
+          <p:style>
+            <a:lnRef idx="1">
+              <a:schemeClr val="accent2"/>
+            </a:lnRef>
+            <a:fillRef idx="2">
+              <a:schemeClr val="accent2"/>
+            </a:fillRef>
+            <a:effectRef idx="1">
+              <a:schemeClr val="accent2"/>
+            </a:effectRef>
+            <a:fontRef idx="minor">
+              <a:schemeClr val="dk1"/>
+            </a:fontRef>
+          </p:style>
+        </p:cxnSp>
+        <p:cxnSp>
+          <p:nvCxnSpPr>
+            <p:cNvPr id="50" name="Elbow Connector 49"/>
+            <p:cNvCxnSpPr>
+              <a:cxnSpLocks/>
+              <a:stCxn id="56" idx="1"/>
+              <a:endCxn id="58" idx="0"/>
+            </p:cNvCxnSpPr>
+            <p:nvPr/>
+          </p:nvCxnSpPr>
+          <p:spPr>
+            <a:xfrm rot="10800000" flipV="1">
+              <a:off x="2601618" y="2036175"/>
+              <a:ext cx="572596" cy="418306"/>
+            </a:xfrm>
+            <a:prstGeom prst="bentConnector2">
+              <a:avLst/>
+            </a:prstGeom>
+            <a:ln w="19050">
+              <a:solidFill>
+                <a:schemeClr val="accent5">
+                  <a:lumMod val="60000"/>
+                  <a:lumOff val="40000"/>
+                </a:schemeClr>
+              </a:solidFill>
+              <a:prstDash val="sysDot"/>
+              <a:headEnd type="none" w="med" len="med"/>
+              <a:tailEnd type="arrow" w="med" len="med"/>
+            </a:ln>
+            <a:effectLst/>
+          </p:spPr>
+          <p:style>
+            <a:lnRef idx="1">
+              <a:schemeClr val="accent2"/>
+            </a:lnRef>
+            <a:fillRef idx="2">
+              <a:schemeClr val="accent2"/>
+            </a:fillRef>
+            <a:effectRef idx="1">
+              <a:schemeClr val="accent2"/>
+            </a:effectRef>
+            <a:fontRef idx="minor">
+              <a:schemeClr val="dk1"/>
+            </a:fontRef>
+          </p:style>
+        </p:cxnSp>
+        <p:grpSp>
+          <p:nvGrpSpPr>
+            <p:cNvPr id="68" name="Group 67"/>
+            <p:cNvGrpSpPr/>
+            <p:nvPr/>
+          </p:nvGrpSpPr>
+          <p:grpSpPr>
+            <a:xfrm rot="10800000">
+              <a:off x="4687086" y="3784757"/>
+              <a:ext cx="555486" cy="254462"/>
+              <a:chOff x="3703306" y="644022"/>
+              <a:chExt cx="555486" cy="230832"/>
+            </a:xfrm>
+          </p:grpSpPr>
+          <p:sp>
+            <p:nvSpPr>
+              <p:cNvPr id="69" name="TextBox 68"/>
+              <p:cNvSpPr txBox="1"/>
+              <p:nvPr/>
+            </p:nvSpPr>
+            <p:spPr>
+              <a:xfrm rot="10800000">
+                <a:off x="3703306" y="644022"/>
+                <a:ext cx="555486" cy="230832"/>
+              </a:xfrm>
+              <a:prstGeom prst="rect">
+                <a:avLst/>
+              </a:prstGeom>
+              <a:noFill/>
+            </p:spPr>
+            <p:txBody>
+              <a:bodyPr wrap="square" lIns="0" tIns="0" rIns="0" bIns="0" rtlCol="0">
+                <a:noAutofit/>
+              </a:bodyPr>
+              <a:lstStyle/>
+              <a:p>
+                <a:r>
+                  <a:rPr lang="en-US" sz="1100" dirty="0">
+                    <a:solidFill>
+                      <a:schemeClr val="accent5">
+                        <a:lumMod val="75000"/>
+                      </a:schemeClr>
+                    </a:solidFill>
+                  </a:rPr>
+                  <a:t>creates</a:t>
+                </a:r>
+                <a:endParaRPr lang="en-SG" sz="1100" dirty="0">
+                  <a:solidFill>
+                    <a:schemeClr val="accent5">
+                      <a:lumMod val="75000"/>
+                    </a:schemeClr>
+                  </a:solidFill>
+                </a:endParaRPr>
+              </a:p>
+            </p:txBody>
+          </p:sp>
+          <p:sp>
+            <p:nvSpPr>
+              <p:cNvPr id="70" name="Isosceles Triangle 69"/>
+              <p:cNvSpPr/>
+              <p:nvPr/>
+            </p:nvSpPr>
+            <p:spPr>
+              <a:xfrm rot="5400000" flipV="1">
+                <a:off x="3700294" y="741689"/>
+                <a:ext cx="119885" cy="88141"/>
+              </a:xfrm>
+              <a:prstGeom prst="triangle">
+                <a:avLst/>
+              </a:prstGeom>
+              <a:solidFill>
+                <a:schemeClr val="accent5">
+                  <a:lumMod val="75000"/>
+                </a:schemeClr>
+              </a:solidFill>
+              <a:ln>
+                <a:noFill/>
+              </a:ln>
+            </p:spPr>
+            <p:style>
+              <a:lnRef idx="2">
+                <a:schemeClr val="accent1">
+                  <a:shade val="50000"/>
+                </a:schemeClr>
+              </a:lnRef>
+              <a:fillRef idx="1">
+                <a:schemeClr val="accent1"/>
+              </a:fillRef>
+              <a:effectRef idx="0">
+                <a:schemeClr val="accent1"/>
+              </a:effectRef>
+              <a:fontRef idx="minor">
+                <a:schemeClr val="lt1"/>
+              </a:fontRef>
+            </p:style>
+            <p:txBody>
+              <a:bodyPr rtlCol="0" anchor="ctr"/>
+              <a:lstStyle/>
+              <a:p>
+                <a:pPr algn="ctr"/>
+                <a:endParaRPr lang="en-SG"/>
+              </a:p>
+            </p:txBody>
+          </p:sp>
+        </p:grpSp>
+        <p:sp>
+          <p:nvSpPr>
+            <p:cNvPr id="87" name="Isosceles Triangle 102"/>
+            <p:cNvSpPr/>
+            <p:nvPr/>
+          </p:nvSpPr>
+          <p:spPr>
+            <a:xfrm flipV="1">
+              <a:off x="7227643" y="3980475"/>
+              <a:ext cx="270504" cy="175523"/>
+            </a:xfrm>
+            <a:prstGeom prst="triangle">
+              <a:avLst/>
+            </a:prstGeom>
+            <a:solidFill>
+              <a:schemeClr val="tx2">
+                <a:lumMod val="60000"/>
+                <a:lumOff val="40000"/>
+              </a:schemeClr>
+            </a:solidFill>
+            <a:ln w="19050">
+              <a:solidFill>
+                <a:srgbClr val="0070C0"/>
+              </a:solidFill>
+            </a:ln>
+            <a:effectLst/>
+          </p:spPr>
+          <p:style>
+            <a:lnRef idx="1">
+              <a:schemeClr val="accent1"/>
+            </a:lnRef>
+            <a:fillRef idx="2">
+              <a:schemeClr val="accent1"/>
+            </a:fillRef>
+            <a:effectRef idx="1">
+              <a:schemeClr val="accent1"/>
+            </a:effectRef>
+            <a:fontRef idx="minor">
+              <a:schemeClr val="dk1"/>
+            </a:fontRef>
+          </p:style>
+          <p:txBody>
+            <a:bodyPr rtlCol="0" anchor="ctr"/>
+            <a:lstStyle/>
+            <a:p>
+              <a:pPr algn="ctr"/>
+              <a:endParaRPr lang="en-SG" sz="1050" b="1">
+                <a:solidFill>
+                  <a:srgbClr val="92D050"/>
+                </a:solidFill>
+              </a:endParaRPr>
+            </a:p>
+          </p:txBody>
+        </p:sp>
+        <p:cxnSp>
+          <p:nvCxnSpPr>
+            <p:cNvPr id="96" name="Elbow Connector 95"/>
+            <p:cNvCxnSpPr>
+              <a:stCxn id="87" idx="3"/>
+              <a:endCxn id="4" idx="2"/>
+            </p:cNvCxnSpPr>
+            <p:nvPr/>
+          </p:nvCxnSpPr>
+          <p:spPr>
+            <a:xfrm rot="5400000" flipH="1" flipV="1">
+              <a:off x="6916385" y="3533423"/>
+              <a:ext cx="893563" cy="542"/>
+            </a:xfrm>
+            <a:prstGeom prst="bentConnector3">
+              <a:avLst>
+                <a:gd name="adj1" fmla="val 50000"/>
+              </a:avLst>
+            </a:prstGeom>
+            <a:ln w="19050">
+              <a:headEnd type="none" w="med" len="med"/>
+              <a:tailEnd type="none" w="med" len="med"/>
+            </a:ln>
+          </p:spPr>
+          <p:style>
+            <a:lnRef idx="1">
+              <a:schemeClr val="accent1"/>
+            </a:lnRef>
+            <a:fillRef idx="0">
+              <a:schemeClr val="accent1"/>
+            </a:fillRef>
+            <a:effectRef idx="0">
+              <a:schemeClr val="accent1"/>
+            </a:effectRef>
+            <a:fontRef idx="minor">
+              <a:schemeClr val="tx1"/>
+            </a:fontRef>
+          </p:style>
+        </p:cxnSp>
+        <p:cxnSp>
+          <p:nvCxnSpPr>
+            <p:cNvPr id="122" name="Elbow Connector 63"/>
+            <p:cNvCxnSpPr>
+              <a:cxnSpLocks/>
+              <a:stCxn id="42" idx="1"/>
+              <a:endCxn id="4" idx="3"/>
+            </p:cNvCxnSpPr>
+            <p:nvPr/>
+          </p:nvCxnSpPr>
+          <p:spPr>
+            <a:xfrm flipV="1">
+              <a:off x="6066328" y="2913532"/>
+              <a:ext cx="811946" cy="659"/>
+            </a:xfrm>
+            <a:prstGeom prst="bentConnector3">
+              <a:avLst>
+                <a:gd name="adj1" fmla="val 50000"/>
+              </a:avLst>
+            </a:prstGeom>
+            <a:ln w="19050">
+              <a:solidFill>
+                <a:schemeClr val="accent5">
+                  <a:lumMod val="75000"/>
+                </a:schemeClr>
+              </a:solidFill>
+              <a:prstDash val="sysDot"/>
+              <a:headEnd type="none" w="med" len="med"/>
+              <a:tailEnd type="arrow" w="med" len="med"/>
+            </a:ln>
+            <a:effectLst/>
+          </p:spPr>
+          <p:style>
+            <a:lnRef idx="1">
+              <a:schemeClr val="accent2"/>
+            </a:lnRef>
+            <a:fillRef idx="2">
+              <a:schemeClr val="accent2"/>
+            </a:fillRef>
+            <a:effectRef idx="1">
+              <a:schemeClr val="accent2"/>
+            </a:effectRef>
+            <a:fontRef idx="minor">
+              <a:schemeClr val="dk1"/>
+            </a:fontRef>
+          </p:style>
+        </p:cxnSp>
+        <p:sp>
+          <p:nvSpPr>
+            <p:cNvPr id="109" name="Rectangle 62"/>
+            <p:cNvSpPr/>
+            <p:nvPr/>
+          </p:nvSpPr>
+          <p:spPr>
+            <a:xfrm>
+              <a:off x="3174214" y="2370131"/>
+              <a:ext cx="750156" cy="340758"/>
+            </a:xfrm>
+            <a:prstGeom prst="rect">
+              <a:avLst/>
+            </a:prstGeom>
+            <a:solidFill>
+              <a:schemeClr val="accent5">
+                <a:lumMod val="60000"/>
+                <a:lumOff val="40000"/>
+              </a:schemeClr>
+            </a:solidFill>
+            <a:ln w="19050">
+              <a:solidFill>
+                <a:schemeClr val="accent5">
+                  <a:lumMod val="60000"/>
+                  <a:lumOff val="40000"/>
+                </a:schemeClr>
+              </a:solidFill>
+            </a:ln>
+            <a:effectLst/>
+          </p:spPr>
+          <p:style>
+            <a:lnRef idx="1">
+              <a:schemeClr val="accent2"/>
+            </a:lnRef>
+            <a:fillRef idx="2">
+              <a:schemeClr val="accent2"/>
+            </a:fillRef>
+            <a:effectRef idx="1">
+              <a:schemeClr val="accent2"/>
+            </a:effectRef>
+            <a:fontRef idx="minor">
+              <a:schemeClr val="dk1"/>
+            </a:fontRef>
+          </p:style>
+          <p:txBody>
+            <a:bodyPr rtlCol="0" anchor="ctr"/>
+            <a:lstStyle/>
+            <a:p>
+              <a:pPr algn="ctr"/>
+              <a:r>
+                <a:rPr lang="en-SG" sz="1050" dirty="0">
+                  <a:solidFill>
+                    <a:schemeClr val="bg1"/>
+                  </a:solidFill>
+                </a:rPr>
+                <a:t>Argument</a:t>
+              </a:r>
+              <a:br>
+                <a:rPr lang="en-SG" sz="1050" dirty="0">
+                  <a:solidFill>
+                    <a:schemeClr val="bg1"/>
+                  </a:solidFill>
+                </a:rPr>
+              </a:br>
+              <a:r>
+                <a:rPr lang="en-SG" sz="1050" dirty="0">
+                  <a:solidFill>
+                    <a:schemeClr val="bg1"/>
+                  </a:solidFill>
+                </a:rPr>
+                <a:t>Multimap</a:t>
+              </a:r>
+            </a:p>
+          </p:txBody>
+        </p:sp>
+        <p:cxnSp>
+          <p:nvCxnSpPr>
+            <p:cNvPr id="112" name="Elbow Connector 12"/>
+            <p:cNvCxnSpPr>
+              <a:cxnSpLocks/>
+              <a:stCxn id="109" idx="1"/>
+              <a:endCxn id="58" idx="3"/>
+            </p:cNvCxnSpPr>
+            <p:nvPr/>
+          </p:nvCxnSpPr>
+          <p:spPr>
+            <a:xfrm rot="10800000" flipV="1">
+              <a:off x="2964740" y="2540509"/>
+              <a:ext cx="209475" cy="1261"/>
+            </a:xfrm>
+            <a:prstGeom prst="bentConnector3">
+              <a:avLst>
+                <a:gd name="adj1" fmla="val 50000"/>
+              </a:avLst>
+            </a:prstGeom>
+            <a:ln w="19050">
+              <a:solidFill>
+                <a:schemeClr val="accent5">
+                  <a:lumMod val="60000"/>
+                  <a:lumOff val="40000"/>
+                </a:schemeClr>
+              </a:solidFill>
+              <a:prstDash val="sysDot"/>
+              <a:headEnd type="none" w="med" len="med"/>
+              <a:tailEnd type="arrow" w="med" len="med"/>
+            </a:ln>
+            <a:effectLst/>
+          </p:spPr>
+          <p:style>
+            <a:lnRef idx="1">
+              <a:schemeClr val="accent2"/>
+            </a:lnRef>
+            <a:fillRef idx="2">
+              <a:schemeClr val="accent2"/>
+            </a:fillRef>
+            <a:effectRef idx="1">
+              <a:schemeClr val="accent2"/>
+            </a:effectRef>
+            <a:fontRef idx="minor">
+              <a:schemeClr val="dk1"/>
+            </a:fontRef>
+          </p:style>
+        </p:cxnSp>
+        <p:cxnSp>
+          <p:nvCxnSpPr>
+            <p:cNvPr id="118" name="Elbow Connector 49"/>
+            <p:cNvCxnSpPr>
+              <a:cxnSpLocks/>
+              <a:stCxn id="56" idx="2"/>
+              <a:endCxn id="109" idx="0"/>
+            </p:cNvCxnSpPr>
+            <p:nvPr/>
+          </p:nvCxnSpPr>
+          <p:spPr>
+            <a:xfrm rot="5400000">
+              <a:off x="3469242" y="2289605"/>
+              <a:ext cx="160576" cy="476"/>
+            </a:xfrm>
+            <a:prstGeom prst="bentConnector3">
+              <a:avLst>
+                <a:gd name="adj1" fmla="val 50000"/>
+              </a:avLst>
+            </a:prstGeom>
+            <a:ln w="19050">
+              <a:solidFill>
+                <a:schemeClr val="accent5">
+                  <a:lumMod val="60000"/>
+                  <a:lumOff val="40000"/>
+                </a:schemeClr>
+              </a:solidFill>
+              <a:prstDash val="sysDot"/>
+              <a:headEnd type="none" w="med" len="med"/>
+              <a:tailEnd type="arrow" w="med" len="med"/>
+            </a:ln>
+            <a:effectLst/>
+          </p:spPr>
+          <p:style>
+            <a:lnRef idx="1">
+              <a:schemeClr val="accent2"/>
+            </a:lnRef>
+            <a:fillRef idx="2">
+              <a:schemeClr val="accent2"/>
+            </a:fillRef>
+            <a:effectRef idx="1">
+              <a:schemeClr val="accent2"/>
+            </a:effectRef>
+            <a:fontRef idx="minor">
+              <a:schemeClr val="dk1"/>
+            </a:fontRef>
+          </p:style>
+        </p:cxnSp>
+        <p:sp>
+          <p:nvSpPr>
+            <p:cNvPr id="86" name="Rectangle 62"/>
+            <p:cNvSpPr/>
+            <p:nvPr/>
+          </p:nvSpPr>
+          <p:spPr>
+            <a:xfrm>
+              <a:off x="1295065" y="4183424"/>
+              <a:ext cx="805984" cy="346760"/>
+            </a:xfrm>
+            <a:prstGeom prst="rect">
+              <a:avLst/>
+            </a:prstGeom>
+            <a:solidFill>
+              <a:srgbClr val="0070C0"/>
+            </a:solidFill>
+            <a:ln w="19050">
+              <a:solidFill>
+                <a:srgbClr val="0070C0"/>
+              </a:solidFill>
+            </a:ln>
+            <a:effectLst/>
+          </p:spPr>
+          <p:style>
+            <a:lnRef idx="1">
+              <a:schemeClr val="accent2"/>
+            </a:lnRef>
+            <a:fillRef idx="2">
+              <a:schemeClr val="accent2"/>
+            </a:fillRef>
+            <a:effectRef idx="1">
+              <a:schemeClr val="accent2"/>
+            </a:effectRef>
+            <a:fontRef idx="minor">
+              <a:schemeClr val="dk1"/>
+            </a:fontRef>
+          </p:style>
+          <p:txBody>
+            <a:bodyPr rtlCol="0" anchor="ctr"/>
+            <a:lstStyle/>
+            <a:p>
+              <a:pPr algn="ctr"/>
+              <a:r>
+                <a:rPr lang="en-US" sz="1050">
+                  <a:solidFill>
+                    <a:schemeClr val="bg1"/>
+                  </a:solidFill>
+                </a:rPr>
+                <a:t>Command</a:t>
+              </a:r>
+            </a:p>
+            <a:p>
+              <a:pPr algn="ctr"/>
+              <a:r>
+                <a:rPr lang="en-US" sz="1050" dirty="0">
+                  <a:solidFill>
+                    <a:schemeClr val="bg1"/>
+                  </a:solidFill>
+                </a:rPr>
+                <a:t>History</a:t>
+              </a:r>
+              <a:endParaRPr lang="en-SG" sz="1050" dirty="0">
+                <a:solidFill>
+                  <a:schemeClr val="bg1"/>
+                </a:solidFill>
+              </a:endParaRPr>
+            </a:p>
+          </p:txBody>
+        </p:sp>
+        <p:cxnSp>
+          <p:nvCxnSpPr>
+            <p:cNvPr id="88" name="Straight Arrow Connector 57"/>
+            <p:cNvCxnSpPr/>
+            <p:nvPr/>
+          </p:nvCxnSpPr>
+          <p:spPr>
+            <a:xfrm>
+              <a:off x="1971157" y="3939492"/>
+              <a:ext cx="2022" cy="240622"/>
+            </a:xfrm>
+            <a:prstGeom prst="straightConnector1">
+              <a:avLst/>
+            </a:prstGeom>
+            <a:ln w="19050">
+              <a:solidFill>
+                <a:srgbClr val="0070C0"/>
+              </a:solidFill>
+              <a:headEnd type="none" w="med" len="med"/>
+              <a:tailEnd type="arrow" w="med" len="med"/>
+            </a:ln>
+            <a:effectLst/>
+          </p:spPr>
+          <p:style>
+            <a:lnRef idx="1">
+              <a:schemeClr val="accent2"/>
+            </a:lnRef>
+            <a:fillRef idx="2">
+              <a:schemeClr val="accent2"/>
+            </a:fillRef>
+            <a:effectRef idx="1">
+              <a:schemeClr val="accent2"/>
+            </a:effectRef>
+            <a:fontRef idx="minor">
+              <a:schemeClr val="dk1"/>
+            </a:fontRef>
+          </p:style>
+        </p:cxnSp>
+        <p:sp>
+          <p:nvSpPr>
+            <p:cNvPr id="91" name="TextBox 90"/>
             <p:cNvSpPr txBox="1"/>
             <p:nvPr/>
           </p:nvSpPr>
           <p:spPr>
             <a:xfrm>
-              <a:off x="2895600" y="789460"/>
-              <a:ext cx="728806" cy="230832"/>
+              <a:off x="1773980" y="4000395"/>
+              <a:ext cx="131116" cy="230832"/>
             </a:xfrm>
             <a:prstGeom prst="rect">
               <a:avLst/>
@@ -4439,13 +5511,14 @@
             </a:bodyPr>
             <a:lstStyle/>
             <a:p>
+              <a:pPr algn="r"/>
               <a:r>
                 <a:rPr lang="en-US" sz="1100" dirty="0">
                   <a:solidFill>
                     <a:srgbClr val="0070C0"/>
                   </a:solidFill>
                 </a:rPr>
-                <a:t>produces</a:t>
+                <a:t>1</a:t>
               </a:r>
               <a:endParaRPr lang="en-SG" sz="1100" dirty="0">
                 <a:solidFill>
@@ -4457,36 +5530,103 @@
         </p:sp>
         <p:sp>
           <p:nvSpPr>
-            <p:cNvPr id="31" name="Isosceles Triangle 30"/>
+            <p:cNvPr id="97" name="Rectangle 96">
+              <a:extLst>
+                <a:ext uri="{FF2B5EF4-FFF2-40B4-BE49-F238E27FC236}">
+                  <a16:creationId xmlns:a16="http://schemas.microsoft.com/office/drawing/2014/main" id="{AADE6A0C-89AB-467B-8CEA-5FCF36CE0D21}"/>
+                </a:ext>
+              </a:extLst>
+            </p:cNvPr>
             <p:cNvSpPr/>
             <p:nvPr/>
           </p:nvSpPr>
           <p:spPr>
-            <a:xfrm rot="16200000" flipH="1">
-              <a:off x="2730963" y="857181"/>
-              <a:ext cx="125951" cy="76201"/>
+            <a:xfrm flipH="1">
+              <a:off x="5067626" y="1981200"/>
+              <a:ext cx="998702" cy="346760"/>
+            </a:xfrm>
+            <a:prstGeom prst="rect">
+              <a:avLst/>
+            </a:prstGeom>
+            <a:solidFill>
+              <a:schemeClr val="accent5"/>
+            </a:solidFill>
+            <a:ln/>
+            <a:effectLst/>
+          </p:spPr>
+          <p:style>
+            <a:lnRef idx="1">
+              <a:schemeClr val="accent5"/>
+            </a:lnRef>
+            <a:fillRef idx="2">
+              <a:schemeClr val="accent5"/>
+            </a:fillRef>
+            <a:effectRef idx="1">
+              <a:schemeClr val="accent5"/>
+            </a:effectRef>
+            <a:fontRef idx="minor">
+              <a:schemeClr val="dk1"/>
+            </a:fontRef>
+          </p:style>
+          <p:txBody>
+            <a:bodyPr rtlCol="0" anchor="ctr"/>
+            <a:lstStyle/>
+            <a:p>
+              <a:pPr algn="ctr"/>
+              <a:r>
+                <a:rPr lang="en-US" sz="1050" b="1" dirty="0">
+                  <a:solidFill>
+                    <a:schemeClr val="bg1"/>
+                  </a:solidFill>
+                </a:rPr>
+                <a:t>&lt;&lt;interface&gt;&gt;</a:t>
+              </a:r>
+            </a:p>
+            <a:p>
+              <a:pPr algn="ctr"/>
+              <a:r>
+                <a:rPr lang="en-US" sz="1050" b="1" dirty="0">
+                  <a:solidFill>
+                    <a:schemeClr val="bg1"/>
+                  </a:solidFill>
+                </a:rPr>
+                <a:t>Parser</a:t>
+              </a:r>
+              <a:endParaRPr lang="en-SG" sz="1050" b="1" dirty="0">
+                <a:solidFill>
+                  <a:schemeClr val="bg1"/>
+                </a:solidFill>
+              </a:endParaRPr>
+            </a:p>
+          </p:txBody>
+        </p:sp>
+        <p:sp>
+          <p:nvSpPr>
+            <p:cNvPr id="75" name="Isosceles Triangle 102"/>
+            <p:cNvSpPr/>
+            <p:nvPr/>
+          </p:nvSpPr>
+          <p:spPr>
+            <a:xfrm flipH="1">
+              <a:off x="5431725" y="2327960"/>
+              <a:ext cx="270504" cy="175523"/>
             </a:xfrm>
             <a:prstGeom prst="triangle">
               <a:avLst/>
             </a:prstGeom>
-            <a:solidFill>
-              <a:srgbClr val="0070C0"/>
-            </a:solidFill>
-            <a:ln>
-              <a:noFill/>
-            </a:ln>
+            <a:ln w="12700"/>
           </p:spPr>
           <p:style>
             <a:lnRef idx="2">
-              <a:schemeClr val="accent1">
+              <a:schemeClr val="accent5">
                 <a:shade val="50000"/>
               </a:schemeClr>
             </a:lnRef>
             <a:fillRef idx="1">
-              <a:schemeClr val="accent1"/>
+              <a:schemeClr val="accent5"/>
             </a:fillRef>
             <a:effectRef idx="0">
-              <a:schemeClr val="accent1"/>
+              <a:schemeClr val="accent5"/>
             </a:effectRef>
             <a:fontRef idx="minor">
               <a:schemeClr val="lt1"/>
@@ -4497,551 +5637,192 @@
             <a:lstStyle/>
             <a:p>
               <a:pPr algn="ctr"/>
-              <a:endParaRPr lang="en-SG"/>
+              <a:endParaRPr lang="en-SG" sz="1050" b="1">
+                <a:solidFill>
+                  <a:srgbClr val="92D050"/>
+                </a:solidFill>
+              </a:endParaRPr>
             </a:p>
           </p:txBody>
         </p:sp>
-      </p:grpSp>
-      <p:sp>
-        <p:nvSpPr>
-          <p:cNvPr id="33" name="TextBox 32"/>
-          <p:cNvSpPr txBox="1"/>
-          <p:nvPr/>
-        </p:nvSpPr>
-        <p:spPr>
-          <a:xfrm>
-            <a:off x="3048000" y="3733800"/>
-            <a:ext cx="131116" cy="230832"/>
-          </a:xfrm>
-          <a:prstGeom prst="rect">
-            <a:avLst/>
-          </a:prstGeom>
-          <a:noFill/>
-        </p:spPr>
-        <p:txBody>
-          <a:bodyPr wrap="square" lIns="0" tIns="0" rIns="0" bIns="0" rtlCol="0">
-            <a:noAutofit/>
-          </a:bodyPr>
-          <a:lstStyle/>
-          <a:p>
-            <a:pPr algn="r"/>
-            <a:r>
-              <a:rPr lang="en-US" sz="1100" dirty="0">
-                <a:solidFill>
-                  <a:srgbClr val="0070C0"/>
-                </a:solidFill>
-              </a:rPr>
-              <a:t>1</a:t>
-            </a:r>
-            <a:endParaRPr lang="en-SG" sz="1100" dirty="0">
-              <a:solidFill>
-                <a:srgbClr val="0070C0"/>
-              </a:solidFill>
-            </a:endParaRPr>
-          </a:p>
-        </p:txBody>
-      </p:sp>
-      <p:cxnSp>
-        <p:nvCxnSpPr>
-          <p:cNvPr id="39" name="Elbow Connector 122"/>
-          <p:cNvCxnSpPr/>
-          <p:nvPr/>
-        </p:nvCxnSpPr>
-        <p:spPr>
-          <a:xfrm rot="5400000" flipH="1" flipV="1">
-            <a:off x="1193276" y="2601868"/>
-            <a:ext cx="1969553" cy="2764"/>
-          </a:xfrm>
-          <a:prstGeom prst="bentConnector3">
-            <a:avLst>
-              <a:gd name="adj1" fmla="val 50000"/>
-            </a:avLst>
-          </a:prstGeom>
-          <a:ln w="19050">
-            <a:solidFill>
-              <a:srgbClr val="0070C0"/>
-            </a:solidFill>
-            <a:prstDash val="sysDot"/>
-            <a:headEnd type="none" w="med" len="med"/>
-            <a:tailEnd type="arrow" w="med" len="med"/>
-          </a:ln>
-          <a:effectLst/>
-        </p:spPr>
-        <p:style>
-          <a:lnRef idx="1">
-            <a:schemeClr val="accent2"/>
-          </a:lnRef>
-          <a:fillRef idx="2">
-            <a:schemeClr val="accent2"/>
-          </a:fillRef>
-          <a:effectRef idx="1">
-            <a:schemeClr val="accent2"/>
-          </a:effectRef>
-          <a:fontRef idx="minor">
-            <a:schemeClr val="dk1"/>
-          </a:fontRef>
-        </p:style>
-      </p:cxnSp>
-      <p:sp>
-        <p:nvSpPr>
-          <p:cNvPr id="56" name="Rectangle 62"/>
-          <p:cNvSpPr/>
-          <p:nvPr/>
-        </p:nvSpPr>
-        <p:spPr>
-          <a:xfrm>
-            <a:off x="3174214" y="1862795"/>
-            <a:ext cx="751107" cy="346760"/>
-          </a:xfrm>
-          <a:prstGeom prst="rect">
-            <a:avLst/>
-          </a:prstGeom>
-          <a:solidFill>
-            <a:schemeClr val="accent5">
-              <a:lumMod val="60000"/>
-              <a:lumOff val="40000"/>
-            </a:schemeClr>
-          </a:solidFill>
-          <a:ln w="19050">
-            <a:solidFill>
-              <a:schemeClr val="accent5">
-                <a:lumMod val="60000"/>
-                <a:lumOff val="40000"/>
-              </a:schemeClr>
-            </a:solidFill>
-          </a:ln>
-          <a:effectLst/>
-        </p:spPr>
-        <p:style>
-          <a:lnRef idx="1">
-            <a:schemeClr val="accent2"/>
-          </a:lnRef>
-          <a:fillRef idx="2">
-            <a:schemeClr val="accent2"/>
-          </a:fillRef>
-          <a:effectRef idx="1">
-            <a:schemeClr val="accent2"/>
-          </a:effectRef>
-          <a:fontRef idx="minor">
-            <a:schemeClr val="dk1"/>
-          </a:fontRef>
-        </p:style>
-        <p:txBody>
-          <a:bodyPr rtlCol="0" anchor="ctr"/>
-          <a:lstStyle/>
-          <a:p>
-            <a:pPr algn="ctr"/>
-            <a:r>
-              <a:rPr lang="en-US" sz="1050">
-                <a:solidFill>
-                  <a:schemeClr val="bg1"/>
-                </a:solidFill>
-              </a:rPr>
-              <a:t>Argument</a:t>
-            </a:r>
-            <a:br>
-              <a:rPr lang="en-US" sz="1050">
-                <a:solidFill>
-                  <a:schemeClr val="bg1"/>
-                </a:solidFill>
-              </a:rPr>
-            </a:br>
-            <a:r>
-              <a:rPr lang="en-US" sz="1050">
-                <a:solidFill>
-                  <a:schemeClr val="bg1"/>
-                </a:solidFill>
-              </a:rPr>
-              <a:t>Tokenizer</a:t>
-            </a:r>
-            <a:endParaRPr lang="en-SG" sz="1050" dirty="0">
-              <a:solidFill>
-                <a:schemeClr val="bg1"/>
-              </a:solidFill>
-            </a:endParaRPr>
-          </a:p>
-        </p:txBody>
-      </p:sp>
-      <p:sp>
-        <p:nvSpPr>
-          <p:cNvPr id="58" name="Rectangle 62"/>
-          <p:cNvSpPr/>
-          <p:nvPr/>
-        </p:nvSpPr>
-        <p:spPr>
-          <a:xfrm>
-            <a:off x="2238496" y="2454481"/>
-            <a:ext cx="726243" cy="174580"/>
-          </a:xfrm>
-          <a:prstGeom prst="rect">
-            <a:avLst/>
-          </a:prstGeom>
-          <a:solidFill>
-            <a:schemeClr val="accent5">
-              <a:lumMod val="60000"/>
-              <a:lumOff val="40000"/>
-            </a:schemeClr>
-          </a:solidFill>
-          <a:ln w="19050">
-            <a:solidFill>
-              <a:schemeClr val="accent5">
-                <a:lumMod val="60000"/>
-                <a:lumOff val="40000"/>
-              </a:schemeClr>
-            </a:solidFill>
-          </a:ln>
-          <a:effectLst/>
-        </p:spPr>
-        <p:style>
-          <a:lnRef idx="1">
-            <a:schemeClr val="accent2"/>
-          </a:lnRef>
-          <a:fillRef idx="2">
-            <a:schemeClr val="accent2"/>
-          </a:fillRef>
-          <a:effectRef idx="1">
-            <a:schemeClr val="accent2"/>
-          </a:effectRef>
-          <a:fontRef idx="minor">
-            <a:schemeClr val="dk1"/>
-          </a:fontRef>
-        </p:style>
-        <p:txBody>
-          <a:bodyPr rtlCol="0" anchor="ctr"/>
-          <a:lstStyle/>
-          <a:p>
-            <a:pPr algn="ctr"/>
-            <a:r>
-              <a:rPr lang="en-US" sz="1050" dirty="0">
-                <a:solidFill>
-                  <a:schemeClr val="bg1"/>
-                </a:solidFill>
-              </a:rPr>
-              <a:t>Prefix</a:t>
-            </a:r>
-            <a:endParaRPr lang="en-SG" sz="1050" dirty="0">
-              <a:solidFill>
-                <a:schemeClr val="bg1"/>
-              </a:solidFill>
-            </a:endParaRPr>
-          </a:p>
-        </p:txBody>
-      </p:sp>
-      <p:sp>
-        <p:nvSpPr>
-          <p:cNvPr id="60" name="Rectangle 62"/>
-          <p:cNvSpPr/>
-          <p:nvPr/>
-        </p:nvSpPr>
-        <p:spPr>
-          <a:xfrm>
-            <a:off x="3186326" y="2841725"/>
-            <a:ext cx="731636" cy="283820"/>
-          </a:xfrm>
-          <a:prstGeom prst="rect">
-            <a:avLst/>
-          </a:prstGeom>
-          <a:solidFill>
-            <a:schemeClr val="accent5">
-              <a:lumMod val="60000"/>
-              <a:lumOff val="40000"/>
-            </a:schemeClr>
-          </a:solidFill>
-          <a:ln w="19050">
-            <a:solidFill>
-              <a:schemeClr val="accent5">
-                <a:lumMod val="60000"/>
-                <a:lumOff val="40000"/>
-              </a:schemeClr>
-            </a:solidFill>
-          </a:ln>
-          <a:effectLst/>
-        </p:spPr>
-        <p:style>
-          <a:lnRef idx="1">
-            <a:schemeClr val="accent2"/>
-          </a:lnRef>
-          <a:fillRef idx="2">
-            <a:schemeClr val="accent2"/>
-          </a:fillRef>
-          <a:effectRef idx="1">
-            <a:schemeClr val="accent2"/>
-          </a:effectRef>
-          <a:fontRef idx="minor">
-            <a:schemeClr val="dk1"/>
-          </a:fontRef>
-        </p:style>
-        <p:txBody>
-          <a:bodyPr rtlCol="0" anchor="ctr"/>
-          <a:lstStyle/>
-          <a:p>
-            <a:pPr algn="ctr"/>
-            <a:r>
-              <a:rPr lang="en-SG" sz="1050" dirty="0" err="1">
-                <a:solidFill>
-                  <a:schemeClr val="bg1"/>
-                </a:solidFill>
-              </a:rPr>
-              <a:t>CliSyntax</a:t>
-            </a:r>
-            <a:endParaRPr lang="en-SG" sz="1050" dirty="0">
-              <a:solidFill>
-                <a:schemeClr val="bg1"/>
-              </a:solidFill>
-            </a:endParaRPr>
-          </a:p>
-        </p:txBody>
-      </p:sp>
-      <p:sp>
-        <p:nvSpPr>
-          <p:cNvPr id="62" name="Rectangle 62"/>
-          <p:cNvSpPr/>
-          <p:nvPr/>
-        </p:nvSpPr>
-        <p:spPr>
-          <a:xfrm>
-            <a:off x="3186326" y="3190882"/>
-            <a:ext cx="731636" cy="283820"/>
-          </a:xfrm>
-          <a:prstGeom prst="rect">
-            <a:avLst/>
-          </a:prstGeom>
-          <a:solidFill>
-            <a:schemeClr val="accent5">
-              <a:lumMod val="60000"/>
-              <a:lumOff val="40000"/>
-            </a:schemeClr>
-          </a:solidFill>
-          <a:ln w="19050">
-            <a:solidFill>
-              <a:schemeClr val="accent5">
-                <a:lumMod val="60000"/>
-                <a:lumOff val="40000"/>
-              </a:schemeClr>
-            </a:solidFill>
-          </a:ln>
-          <a:effectLst/>
-        </p:spPr>
-        <p:style>
-          <a:lnRef idx="1">
-            <a:schemeClr val="accent2"/>
-          </a:lnRef>
-          <a:fillRef idx="2">
-            <a:schemeClr val="accent2"/>
-          </a:fillRef>
-          <a:effectRef idx="1">
-            <a:schemeClr val="accent2"/>
-          </a:effectRef>
-          <a:fontRef idx="minor">
-            <a:schemeClr val="dk1"/>
-          </a:fontRef>
-        </p:style>
-        <p:txBody>
-          <a:bodyPr rtlCol="0" anchor="ctr"/>
-          <a:lstStyle/>
-          <a:p>
-            <a:pPr algn="ctr"/>
-            <a:r>
-              <a:rPr lang="en-SG" sz="1050" dirty="0" err="1">
-                <a:solidFill>
-                  <a:schemeClr val="bg1"/>
-                </a:solidFill>
-              </a:rPr>
-              <a:t>ParserUtil</a:t>
-            </a:r>
-            <a:endParaRPr lang="en-SG" sz="1050" dirty="0">
-              <a:solidFill>
-                <a:schemeClr val="bg1"/>
-              </a:solidFill>
-            </a:endParaRPr>
-          </a:p>
-        </p:txBody>
-      </p:sp>
-      <p:cxnSp>
-        <p:nvCxnSpPr>
-          <p:cNvPr id="13" name="Elbow Connector 12"/>
-          <p:cNvCxnSpPr>
-            <a:cxnSpLocks/>
-            <a:stCxn id="60" idx="1"/>
-            <a:endCxn id="58" idx="2"/>
-          </p:cNvCxnSpPr>
-          <p:nvPr/>
-        </p:nvCxnSpPr>
-        <p:spPr>
-          <a:xfrm rot="10800000">
-            <a:off x="2601618" y="2629061"/>
-            <a:ext cx="584708" cy="354574"/>
-          </a:xfrm>
-          <a:prstGeom prst="bentConnector2">
-            <a:avLst/>
-          </a:prstGeom>
-          <a:ln w="19050">
-            <a:solidFill>
-              <a:schemeClr val="accent5">
-                <a:lumMod val="60000"/>
-                <a:lumOff val="40000"/>
-              </a:schemeClr>
-            </a:solidFill>
-            <a:prstDash val="sysDot"/>
-            <a:headEnd type="none" w="med" len="med"/>
-            <a:tailEnd type="arrow" w="med" len="med"/>
-          </a:ln>
-          <a:effectLst/>
-        </p:spPr>
-        <p:style>
-          <a:lnRef idx="1">
-            <a:schemeClr val="accent2"/>
-          </a:lnRef>
-          <a:fillRef idx="2">
-            <a:schemeClr val="accent2"/>
-          </a:fillRef>
-          <a:effectRef idx="1">
-            <a:schemeClr val="accent2"/>
-          </a:effectRef>
-          <a:fontRef idx="minor">
-            <a:schemeClr val="dk1"/>
-          </a:fontRef>
-        </p:style>
-      </p:cxnSp>
-      <p:cxnSp>
-        <p:nvCxnSpPr>
-          <p:cNvPr id="50" name="Elbow Connector 49"/>
-          <p:cNvCxnSpPr>
-            <a:cxnSpLocks/>
-            <a:stCxn id="56" idx="1"/>
-            <a:endCxn id="58" idx="0"/>
-          </p:cNvCxnSpPr>
-          <p:nvPr/>
-        </p:nvCxnSpPr>
-        <p:spPr>
-          <a:xfrm rot="10800000" flipV="1">
-            <a:off x="2601618" y="2036175"/>
-            <a:ext cx="572596" cy="418306"/>
-          </a:xfrm>
-          <a:prstGeom prst="bentConnector2">
-            <a:avLst/>
-          </a:prstGeom>
-          <a:ln w="19050">
-            <a:solidFill>
-              <a:schemeClr val="accent5">
-                <a:lumMod val="60000"/>
-                <a:lumOff val="40000"/>
-              </a:schemeClr>
-            </a:solidFill>
-            <a:prstDash val="sysDot"/>
-            <a:headEnd type="none" w="med" len="med"/>
-            <a:tailEnd type="arrow" w="med" len="med"/>
-          </a:ln>
-          <a:effectLst/>
-        </p:spPr>
-        <p:style>
-          <a:lnRef idx="1">
-            <a:schemeClr val="accent2"/>
-          </a:lnRef>
-          <a:fillRef idx="2">
-            <a:schemeClr val="accent2"/>
-          </a:fillRef>
-          <a:effectRef idx="1">
-            <a:schemeClr val="accent2"/>
-          </a:effectRef>
-          <a:fontRef idx="minor">
-            <a:schemeClr val="dk1"/>
-          </a:fontRef>
-        </p:style>
-      </p:cxnSp>
-      <p:grpSp>
-        <p:nvGrpSpPr>
-          <p:cNvPr id="68" name="Group 67"/>
-          <p:cNvGrpSpPr/>
-          <p:nvPr/>
-        </p:nvGrpSpPr>
-        <p:grpSpPr>
-          <a:xfrm rot="10800000">
-            <a:off x="4687086" y="3784757"/>
-            <a:ext cx="555486" cy="254462"/>
-            <a:chOff x="3703306" y="644022"/>
-            <a:chExt cx="555486" cy="230832"/>
-          </a:xfrm>
-        </p:grpSpPr>
-        <p:sp>
-          <p:nvSpPr>
-            <p:cNvPr id="69" name="TextBox 68"/>
-            <p:cNvSpPr txBox="1"/>
+        <p:grpSp>
+          <p:nvGrpSpPr>
+            <p:cNvPr id="85" name="Group 84"/>
+            <p:cNvGrpSpPr/>
             <p:nvPr/>
-          </p:nvSpPr>
-          <p:spPr>
-            <a:xfrm rot="10800000">
-              <a:off x="3703306" y="644022"/>
-              <a:ext cx="555486" cy="230832"/>
+          </p:nvGrpSpPr>
+          <p:grpSpPr>
+            <a:xfrm rot="5400000">
+              <a:off x="6371505" y="2788428"/>
+              <a:ext cx="222304" cy="598286"/>
+              <a:chOff x="3965759" y="592436"/>
+              <a:chExt cx="254462" cy="503902"/>
             </a:xfrm>
-            <a:prstGeom prst="rect">
-              <a:avLst/>
-            </a:prstGeom>
-            <a:noFill/>
-          </p:spPr>
-          <p:txBody>
-            <a:bodyPr wrap="square" lIns="0" tIns="0" rIns="0" bIns="0" rtlCol="0">
-              <a:noAutofit/>
-            </a:bodyPr>
-            <a:lstStyle/>
-            <a:p>
-              <a:r>
-                <a:rPr lang="en-US" sz="1100" dirty="0">
+          </p:grpSpPr>
+          <p:sp>
+            <p:nvSpPr>
+              <p:cNvPr id="89" name="TextBox 88"/>
+              <p:cNvSpPr txBox="1"/>
+              <p:nvPr/>
+            </p:nvSpPr>
+            <p:spPr>
+              <a:xfrm rot="16200000">
+                <a:off x="3841039" y="717156"/>
+                <a:ext cx="503902" cy="254462"/>
+              </a:xfrm>
+              <a:prstGeom prst="rect">
+                <a:avLst/>
+              </a:prstGeom>
+              <a:noFill/>
+            </p:spPr>
+            <p:txBody>
+              <a:bodyPr wrap="square" lIns="0" tIns="0" rIns="0" bIns="0" rtlCol="0">
+                <a:noAutofit/>
+              </a:bodyPr>
+              <a:lstStyle/>
+              <a:p>
+                <a:r>
+                  <a:rPr lang="en-US" sz="1100" dirty="0">
+                    <a:solidFill>
+                      <a:schemeClr val="accent5">
+                        <a:lumMod val="75000"/>
+                      </a:schemeClr>
+                    </a:solidFill>
+                  </a:rPr>
+                  <a:t>creates</a:t>
+                </a:r>
+                <a:endParaRPr lang="en-SG" sz="1100" dirty="0">
                   <a:solidFill>
                     <a:schemeClr val="accent5">
                       <a:lumMod val="75000"/>
                     </a:schemeClr>
                   </a:solidFill>
-                </a:rPr>
-                <a:t>creates</a:t>
-              </a:r>
-              <a:endParaRPr lang="en-SG" sz="1100" dirty="0">
-                <a:solidFill>
-                  <a:schemeClr val="accent5">
-                    <a:lumMod val="75000"/>
-                  </a:schemeClr>
-                </a:solidFill>
-              </a:endParaRPr>
-            </a:p>
-          </p:txBody>
-        </p:sp>
+                </a:endParaRPr>
+              </a:p>
+            </p:txBody>
+          </p:sp>
+          <p:sp>
+            <p:nvSpPr>
+              <p:cNvPr id="92" name="Isosceles Triangle 91"/>
+              <p:cNvSpPr/>
+              <p:nvPr/>
+            </p:nvSpPr>
+            <p:spPr>
+              <a:xfrm rot="10800000" flipV="1">
+                <a:off x="3995991" y="631624"/>
+                <a:ext cx="132157" cy="79956"/>
+              </a:xfrm>
+              <a:prstGeom prst="triangle">
+                <a:avLst/>
+              </a:prstGeom>
+              <a:solidFill>
+                <a:schemeClr val="accent5">
+                  <a:lumMod val="75000"/>
+                </a:schemeClr>
+              </a:solidFill>
+              <a:ln>
+                <a:noFill/>
+              </a:ln>
+            </p:spPr>
+            <p:style>
+              <a:lnRef idx="2">
+                <a:schemeClr val="accent1">
+                  <a:shade val="50000"/>
+                </a:schemeClr>
+              </a:lnRef>
+              <a:fillRef idx="1">
+                <a:schemeClr val="accent1"/>
+              </a:fillRef>
+              <a:effectRef idx="0">
+                <a:schemeClr val="accent1"/>
+              </a:effectRef>
+              <a:fontRef idx="minor">
+                <a:schemeClr val="lt1"/>
+              </a:fontRef>
+            </p:style>
+            <p:txBody>
+              <a:bodyPr rtlCol="0" anchor="ctr"/>
+              <a:lstStyle/>
+              <a:p>
+                <a:pPr algn="ctr"/>
+                <a:endParaRPr lang="en-SG"/>
+              </a:p>
+            </p:txBody>
+          </p:sp>
+        </p:grpSp>
+        <p:cxnSp>
+          <p:nvCxnSpPr>
+            <p:cNvPr id="95" name="Straight Connector 94"/>
+            <p:cNvCxnSpPr/>
+            <p:nvPr/>
+          </p:nvCxnSpPr>
+          <p:spPr>
+            <a:xfrm>
+              <a:off x="2893971" y="3687139"/>
+              <a:ext cx="361447" cy="0"/>
+            </a:xfrm>
+            <a:prstGeom prst="line">
+              <a:avLst/>
+            </a:prstGeom>
+            <a:ln w="19050">
+              <a:solidFill>
+                <a:srgbClr val="0070C0"/>
+              </a:solidFill>
+              <a:prstDash val="solid"/>
+              <a:headEnd type="none" w="med" len="med"/>
+              <a:tailEnd type="arrow" w="med" len="med"/>
+            </a:ln>
+            <a:effectLst/>
+          </p:spPr>
+          <p:style>
+            <a:lnRef idx="1">
+              <a:schemeClr val="accent2"/>
+            </a:lnRef>
+            <a:fillRef idx="2">
+              <a:schemeClr val="accent2"/>
+            </a:fillRef>
+            <a:effectRef idx="1">
+              <a:schemeClr val="accent2"/>
+            </a:effectRef>
+            <a:fontRef idx="minor">
+              <a:schemeClr val="dk1"/>
+            </a:fontRef>
+          </p:style>
+        </p:cxnSp>
         <p:sp>
           <p:nvSpPr>
-            <p:cNvPr id="70" name="Isosceles Triangle 69"/>
+            <p:cNvPr id="42" name="Rectangle 11"/>
             <p:cNvSpPr/>
             <p:nvPr/>
           </p:nvSpPr>
           <p:spPr>
-            <a:xfrm rot="5400000" flipV="1">
-              <a:off x="3700294" y="741689"/>
-              <a:ext cx="119885" cy="88141"/>
+            <a:xfrm flipH="1">
+              <a:off x="5074342" y="2740811"/>
+              <a:ext cx="991986" cy="346760"/>
             </a:xfrm>
-            <a:prstGeom prst="triangle">
+            <a:prstGeom prst="rect">
               <a:avLst/>
             </a:prstGeom>
             <a:solidFill>
               <a:schemeClr val="accent5">
-                <a:lumMod val="75000"/>
+                <a:alpha val="81000"/>
               </a:schemeClr>
             </a:solidFill>
-            <a:ln>
-              <a:noFill/>
-            </a:ln>
+            <a:ln/>
+            <a:effectLst/>
           </p:spPr>
           <p:style>
-            <a:lnRef idx="2">
-              <a:schemeClr val="accent1">
-                <a:shade val="50000"/>
-              </a:schemeClr>
+            <a:lnRef idx="1">
+              <a:schemeClr val="accent5"/>
             </a:lnRef>
-            <a:fillRef idx="1">
-              <a:schemeClr val="accent1"/>
+            <a:fillRef idx="2">
+              <a:schemeClr val="accent5"/>
             </a:fillRef>
-            <a:effectRef idx="0">
-              <a:schemeClr val="accent1"/>
+            <a:effectRef idx="1">
+              <a:schemeClr val="accent5"/>
             </a:effectRef>
             <a:fontRef idx="minor">
-              <a:schemeClr val="lt1"/>
+              <a:schemeClr val="dk1"/>
             </a:fontRef>
           </p:style>
           <p:txBody>
@@ -5049,679 +5830,349 @@
             <a:lstStyle/>
             <a:p>
               <a:pPr algn="ctr"/>
-              <a:endParaRPr lang="en-SG"/>
+              <a:r>
+                <a:rPr lang="en-US" sz="1050" b="1" dirty="0" err="1">
+                  <a:solidFill>
+                    <a:schemeClr val="bg1"/>
+                  </a:solidFill>
+                </a:rPr>
+                <a:t>XYZCommand</a:t>
+              </a:r>
+              <a:endParaRPr lang="en-US" sz="1050" b="1" dirty="0">
+                <a:solidFill>
+                  <a:schemeClr val="bg1"/>
+                </a:solidFill>
+              </a:endParaRPr>
+            </a:p>
+            <a:p>
+              <a:pPr algn="ctr"/>
+              <a:r>
+                <a:rPr lang="en-US" sz="1050" b="1" dirty="0">
+                  <a:solidFill>
+                    <a:schemeClr val="bg1"/>
+                  </a:solidFill>
+                </a:rPr>
+                <a:t>Parser</a:t>
+              </a:r>
+              <a:endParaRPr lang="en-SG" sz="1050" b="1" dirty="0">
+                <a:solidFill>
+                  <a:schemeClr val="bg1"/>
+                </a:solidFill>
+              </a:endParaRPr>
             </a:p>
           </p:txBody>
         </p:sp>
-      </p:grpSp>
-      <p:sp>
-        <p:nvSpPr>
-          <p:cNvPr id="87" name="Isosceles Triangle 102"/>
-          <p:cNvSpPr/>
-          <p:nvPr/>
-        </p:nvSpPr>
-        <p:spPr>
-          <a:xfrm flipV="1">
-            <a:off x="7227643" y="3980475"/>
-            <a:ext cx="270504" cy="175523"/>
-          </a:xfrm>
-          <a:prstGeom prst="triangle">
-            <a:avLst/>
-          </a:prstGeom>
-          <a:solidFill>
-            <a:schemeClr val="tx2">
-              <a:lumMod val="60000"/>
-              <a:lumOff val="40000"/>
-            </a:schemeClr>
-          </a:solidFill>
-          <a:ln w="19050">
-            <a:solidFill>
-              <a:srgbClr val="0070C0"/>
-            </a:solidFill>
-          </a:ln>
-          <a:effectLst/>
-        </p:spPr>
-        <p:style>
-          <a:lnRef idx="1">
-            <a:schemeClr val="accent1"/>
-          </a:lnRef>
-          <a:fillRef idx="2">
-            <a:schemeClr val="accent1"/>
-          </a:fillRef>
-          <a:effectRef idx="1">
-            <a:schemeClr val="accent1"/>
-          </a:effectRef>
-          <a:fontRef idx="minor">
-            <a:schemeClr val="dk1"/>
-          </a:fontRef>
-        </p:style>
-        <p:txBody>
-          <a:bodyPr rtlCol="0" anchor="ctr"/>
-          <a:lstStyle/>
-          <a:p>
-            <a:pPr algn="ctr"/>
-            <a:endParaRPr lang="en-SG" sz="1050" b="1">
+        <p:cxnSp>
+          <p:nvCxnSpPr>
+            <p:cNvPr id="101" name="Elbow Connector 12"/>
+            <p:cNvCxnSpPr>
+              <a:cxnSpLocks/>
+              <a:stCxn id="42" idx="3"/>
+            </p:cNvCxnSpPr>
+            <p:nvPr/>
+          </p:nvCxnSpPr>
+          <p:spPr>
+            <a:xfrm rot="10800000">
+              <a:off x="3917734" y="2058661"/>
+              <a:ext cx="1156608" cy="855530"/>
+            </a:xfrm>
+            <a:prstGeom prst="bentConnector3">
+              <a:avLst>
+                <a:gd name="adj1" fmla="val 50000"/>
+              </a:avLst>
+            </a:prstGeom>
+            <a:ln w="19050">
               <a:solidFill>
-                <a:srgbClr val="92D050"/>
+                <a:schemeClr val="accent5">
+                  <a:lumMod val="60000"/>
+                  <a:lumOff val="40000"/>
+                </a:schemeClr>
               </a:solidFill>
-            </a:endParaRPr>
-          </a:p>
-        </p:txBody>
-      </p:sp>
-      <p:cxnSp>
-        <p:nvCxnSpPr>
-          <p:cNvPr id="96" name="Elbow Connector 95"/>
-          <p:cNvCxnSpPr>
-            <a:stCxn id="87" idx="3"/>
-            <a:endCxn id="4" idx="2"/>
-          </p:cNvCxnSpPr>
-          <p:nvPr/>
-        </p:nvCxnSpPr>
-        <p:spPr>
-          <a:xfrm rot="5400000" flipH="1" flipV="1">
-            <a:off x="6916385" y="3533423"/>
-            <a:ext cx="893563" cy="542"/>
-          </a:xfrm>
-          <a:prstGeom prst="bentConnector3">
-            <a:avLst>
-              <a:gd name="adj1" fmla="val 50000"/>
-            </a:avLst>
-          </a:prstGeom>
-          <a:ln w="19050">
-            <a:headEnd type="none" w="med" len="med"/>
-            <a:tailEnd type="none" w="med" len="med"/>
-          </a:ln>
-        </p:spPr>
-        <p:style>
-          <a:lnRef idx="1">
-            <a:schemeClr val="accent1"/>
-          </a:lnRef>
-          <a:fillRef idx="0">
-            <a:schemeClr val="accent1"/>
-          </a:fillRef>
-          <a:effectRef idx="0">
-            <a:schemeClr val="accent1"/>
-          </a:effectRef>
-          <a:fontRef idx="minor">
-            <a:schemeClr val="tx1"/>
-          </a:fontRef>
-        </p:style>
-      </p:cxnSp>
-      <p:cxnSp>
-        <p:nvCxnSpPr>
-          <p:cNvPr id="122" name="Elbow Connector 63"/>
-          <p:cNvCxnSpPr>
-            <a:cxnSpLocks/>
-            <a:stCxn id="42" idx="1"/>
-            <a:endCxn id="4" idx="3"/>
-          </p:cNvCxnSpPr>
-          <p:nvPr/>
-        </p:nvCxnSpPr>
-        <p:spPr>
-          <a:xfrm flipV="1">
-            <a:off x="6066328" y="2913532"/>
-            <a:ext cx="811946" cy="659"/>
-          </a:xfrm>
-          <a:prstGeom prst="bentConnector3">
-            <a:avLst>
-              <a:gd name="adj1" fmla="val 50000"/>
-            </a:avLst>
-          </a:prstGeom>
-          <a:ln w="19050">
-            <a:solidFill>
-              <a:schemeClr val="accent5">
-                <a:lumMod val="75000"/>
-              </a:schemeClr>
-            </a:solidFill>
-            <a:prstDash val="sysDot"/>
-            <a:headEnd type="none" w="med" len="med"/>
-            <a:tailEnd type="arrow" w="med" len="med"/>
-          </a:ln>
-          <a:effectLst/>
-        </p:spPr>
-        <p:style>
-          <a:lnRef idx="1">
-            <a:schemeClr val="accent2"/>
-          </a:lnRef>
-          <a:fillRef idx="2">
-            <a:schemeClr val="accent2"/>
-          </a:fillRef>
-          <a:effectRef idx="1">
-            <a:schemeClr val="accent2"/>
-          </a:effectRef>
-          <a:fontRef idx="minor">
-            <a:schemeClr val="dk1"/>
-          </a:fontRef>
-        </p:style>
-      </p:cxnSp>
-      <p:sp>
-        <p:nvSpPr>
-          <p:cNvPr id="109" name="Rectangle 62"/>
-          <p:cNvSpPr/>
-          <p:nvPr/>
-        </p:nvSpPr>
-        <p:spPr>
-          <a:xfrm>
-            <a:off x="3174214" y="2370131"/>
-            <a:ext cx="750156" cy="340758"/>
-          </a:xfrm>
-          <a:prstGeom prst="rect">
-            <a:avLst/>
-          </a:prstGeom>
-          <a:solidFill>
-            <a:schemeClr val="accent5">
-              <a:lumMod val="60000"/>
-              <a:lumOff val="40000"/>
-            </a:schemeClr>
-          </a:solidFill>
-          <a:ln w="19050">
+              <a:prstDash val="sysDot"/>
+              <a:headEnd type="none" w="med" len="med"/>
+              <a:tailEnd type="arrow" w="med" len="med"/>
+            </a:ln>
+            <a:effectLst/>
+          </p:spPr>
+          <p:style>
+            <a:lnRef idx="1">
+              <a:schemeClr val="accent2"/>
+            </a:lnRef>
+            <a:fillRef idx="2">
+              <a:schemeClr val="accent2"/>
+            </a:fillRef>
+            <a:effectRef idx="1">
+              <a:schemeClr val="accent2"/>
+            </a:effectRef>
+            <a:fontRef idx="minor">
+              <a:schemeClr val="dk1"/>
+            </a:fontRef>
+          </p:style>
+        </p:cxnSp>
+        <p:cxnSp>
+          <p:nvCxnSpPr>
+            <p:cNvPr id="102" name="Elbow Connector 12"/>
+            <p:cNvCxnSpPr>
+              <a:cxnSpLocks/>
+              <a:stCxn id="42" idx="3"/>
+            </p:cNvCxnSpPr>
+            <p:nvPr/>
+          </p:nvCxnSpPr>
+          <p:spPr>
+            <a:xfrm rot="10800000">
+              <a:off x="3921964" y="2540511"/>
+              <a:ext cx="1152379" cy="373681"/>
+            </a:xfrm>
+            <a:prstGeom prst="bentConnector3">
+              <a:avLst>
+                <a:gd name="adj1" fmla="val 50000"/>
+              </a:avLst>
+            </a:prstGeom>
+            <a:ln w="19050">
+              <a:solidFill>
+                <a:schemeClr val="accent5">
+                  <a:lumMod val="60000"/>
+                  <a:lumOff val="40000"/>
+                </a:schemeClr>
+              </a:solidFill>
+              <a:prstDash val="sysDot"/>
+              <a:headEnd type="none" w="med" len="med"/>
+              <a:tailEnd type="arrow" w="med" len="med"/>
+            </a:ln>
+            <a:effectLst/>
+          </p:spPr>
+          <p:style>
+            <a:lnRef idx="1">
+              <a:schemeClr val="accent2"/>
+            </a:lnRef>
+            <a:fillRef idx="2">
+              <a:schemeClr val="accent2"/>
+            </a:fillRef>
+            <a:effectRef idx="1">
+              <a:schemeClr val="accent2"/>
+            </a:effectRef>
+            <a:fontRef idx="minor">
+              <a:schemeClr val="dk1"/>
+            </a:fontRef>
+          </p:style>
+        </p:cxnSp>
+        <p:cxnSp>
+          <p:nvCxnSpPr>
+            <p:cNvPr id="103" name="Elbow Connector 12"/>
+            <p:cNvCxnSpPr>
+              <a:cxnSpLocks/>
+              <a:stCxn id="42" idx="3"/>
+            </p:cNvCxnSpPr>
+            <p:nvPr/>
+          </p:nvCxnSpPr>
+          <p:spPr>
+            <a:xfrm rot="10800000" flipV="1">
+              <a:off x="3926192" y="2914191"/>
+              <a:ext cx="1148150" cy="108168"/>
+            </a:xfrm>
+            <a:prstGeom prst="bentConnector3">
+              <a:avLst>
+                <a:gd name="adj1" fmla="val 50000"/>
+              </a:avLst>
+            </a:prstGeom>
+            <a:ln w="19050">
+              <a:solidFill>
+                <a:schemeClr val="accent5">
+                  <a:lumMod val="60000"/>
+                  <a:lumOff val="40000"/>
+                </a:schemeClr>
+              </a:solidFill>
+              <a:prstDash val="sysDot"/>
+              <a:headEnd type="none" w="med" len="med"/>
+              <a:tailEnd type="arrow" w="med" len="med"/>
+            </a:ln>
+            <a:effectLst/>
+          </p:spPr>
+          <p:style>
+            <a:lnRef idx="1">
+              <a:schemeClr val="accent2"/>
+            </a:lnRef>
+            <a:fillRef idx="2">
+              <a:schemeClr val="accent2"/>
+            </a:fillRef>
+            <a:effectRef idx="1">
+              <a:schemeClr val="accent2"/>
+            </a:effectRef>
+            <a:fontRef idx="minor">
+              <a:schemeClr val="dk1"/>
+            </a:fontRef>
+          </p:style>
+        </p:cxnSp>
+        <p:cxnSp>
+          <p:nvCxnSpPr>
+            <p:cNvPr id="104" name="Elbow Connector 12"/>
+            <p:cNvCxnSpPr>
+              <a:cxnSpLocks/>
+              <a:stCxn id="42" idx="3"/>
+            </p:cNvCxnSpPr>
+            <p:nvPr/>
+          </p:nvCxnSpPr>
+          <p:spPr>
+            <a:xfrm rot="10800000" flipV="1">
+              <a:off x="3930422" y="2914191"/>
+              <a:ext cx="1143921" cy="439870"/>
+            </a:xfrm>
+            <a:prstGeom prst="bentConnector3">
+              <a:avLst>
+                <a:gd name="adj1" fmla="val 50000"/>
+              </a:avLst>
+            </a:prstGeom>
+            <a:ln w="19050">
+              <a:solidFill>
+                <a:schemeClr val="accent5">
+                  <a:lumMod val="60000"/>
+                  <a:lumOff val="40000"/>
+                </a:schemeClr>
+              </a:solidFill>
+              <a:prstDash val="sysDot"/>
+              <a:headEnd type="none" w="med" len="med"/>
+              <a:tailEnd type="arrow" w="med" len="med"/>
+            </a:ln>
+            <a:effectLst/>
+          </p:spPr>
+          <p:style>
+            <a:lnRef idx="1">
+              <a:schemeClr val="accent2"/>
+            </a:lnRef>
+            <a:fillRef idx="2">
+              <a:schemeClr val="accent2"/>
+            </a:fillRef>
+            <a:effectRef idx="1">
+              <a:schemeClr val="accent2"/>
+            </a:effectRef>
+            <a:fontRef idx="minor">
+              <a:schemeClr val="dk1"/>
+            </a:fontRef>
+          </p:style>
+        </p:cxnSp>
+        <p:cxnSp>
+          <p:nvCxnSpPr>
+            <p:cNvPr id="51" name="Elbow Connector 50"/>
+            <p:cNvCxnSpPr>
+              <a:stCxn id="16" idx="3"/>
+              <a:endCxn id="42" idx="2"/>
+            </p:cNvCxnSpPr>
+            <p:nvPr/>
+          </p:nvCxnSpPr>
+          <p:spPr>
+            <a:xfrm flipV="1">
+              <a:off x="4300741" y="3087571"/>
+              <a:ext cx="1269594" cy="659673"/>
+            </a:xfrm>
+            <a:prstGeom prst="bentConnector2">
+              <a:avLst/>
+            </a:prstGeom>
+            <a:ln w="19050">
+              <a:solidFill>
+                <a:schemeClr val="accent5">
+                  <a:lumMod val="75000"/>
+                </a:schemeClr>
+              </a:solidFill>
+              <a:prstDash val="sysDot"/>
+              <a:headEnd type="none" w="med" len="med"/>
+              <a:tailEnd type="arrow" w="med" len="med"/>
+            </a:ln>
+            <a:effectLst/>
+          </p:spPr>
+          <p:style>
+            <a:lnRef idx="1">
+              <a:schemeClr val="accent2"/>
+            </a:lnRef>
+            <a:fillRef idx="2">
+              <a:schemeClr val="accent2"/>
+            </a:fillRef>
+            <a:effectRef idx="1">
+              <a:schemeClr val="accent2"/>
+            </a:effectRef>
+            <a:fontRef idx="minor">
+              <a:schemeClr val="dk1"/>
+            </a:fontRef>
+          </p:style>
+        </p:cxnSp>
+        <p:cxnSp>
+          <p:nvCxnSpPr>
+            <p:cNvPr id="83" name="Elbow Connector 82"/>
+            <p:cNvCxnSpPr>
+              <a:endCxn id="42" idx="0"/>
+            </p:cNvCxnSpPr>
+            <p:nvPr/>
+          </p:nvCxnSpPr>
+          <p:spPr>
+            <a:xfrm rot="16200000" flipH="1">
+              <a:off x="5451193" y="2621669"/>
+              <a:ext cx="234926" cy="3358"/>
+            </a:xfrm>
+            <a:prstGeom prst="bentConnector3">
+              <a:avLst/>
+            </a:prstGeom>
+            <a:ln>
+              <a:solidFill>
+                <a:schemeClr val="accent5">
+                  <a:lumMod val="75000"/>
+                </a:schemeClr>
+              </a:solidFill>
+              <a:prstDash val="sysDot"/>
+            </a:ln>
+          </p:spPr>
+          <p:style>
+            <a:lnRef idx="1">
+              <a:schemeClr val="accent1"/>
+            </a:lnRef>
+            <a:fillRef idx="0">
+              <a:schemeClr val="accent1"/>
+            </a:fillRef>
+            <a:effectRef idx="0">
+              <a:schemeClr val="accent1"/>
+            </a:effectRef>
+            <a:fontRef idx="minor">
+              <a:schemeClr val="tx1"/>
+            </a:fontRef>
+          </p:style>
+        </p:cxnSp>
+        <p:sp>
+          <p:nvSpPr>
+            <p:cNvPr id="127" name="Folded Corner 126"/>
+            <p:cNvSpPr/>
+            <p:nvPr/>
+          </p:nvSpPr>
+          <p:spPr>
+            <a:xfrm>
+              <a:off x="6263130" y="1981200"/>
+              <a:ext cx="1276614" cy="630473"/>
+            </a:xfrm>
+            <a:prstGeom prst="foldedCorner">
+              <a:avLst/>
+            </a:prstGeom>
             <a:solidFill>
               <a:schemeClr val="accent5">
                 <a:lumMod val="60000"/>
                 <a:lumOff val="40000"/>
               </a:schemeClr>
             </a:solidFill>
-          </a:ln>
-          <a:effectLst/>
-        </p:spPr>
-        <p:style>
-          <a:lnRef idx="1">
-            <a:schemeClr val="accent2"/>
-          </a:lnRef>
-          <a:fillRef idx="2">
-            <a:schemeClr val="accent2"/>
-          </a:fillRef>
-          <a:effectRef idx="1">
-            <a:schemeClr val="accent2"/>
-          </a:effectRef>
-          <a:fontRef idx="minor">
-            <a:schemeClr val="dk1"/>
-          </a:fontRef>
-        </p:style>
-        <p:txBody>
-          <a:bodyPr rtlCol="0" anchor="ctr"/>
-          <a:lstStyle/>
-          <a:p>
-            <a:pPr algn="ctr"/>
-            <a:r>
-              <a:rPr lang="en-SG" sz="1050" dirty="0">
-                <a:solidFill>
-                  <a:schemeClr val="bg1"/>
-                </a:solidFill>
-              </a:rPr>
-              <a:t>Argument</a:t>
-            </a:r>
-            <a:br>
-              <a:rPr lang="en-SG" sz="1050" dirty="0">
-                <a:solidFill>
-                  <a:schemeClr val="bg1"/>
-                </a:solidFill>
-              </a:rPr>
-            </a:br>
-            <a:r>
-              <a:rPr lang="en-SG" sz="1050" dirty="0">
-                <a:solidFill>
-                  <a:schemeClr val="bg1"/>
-                </a:solidFill>
-              </a:rPr>
-              <a:t>Multimap</a:t>
-            </a:r>
-          </a:p>
-        </p:txBody>
-      </p:sp>
-      <p:cxnSp>
-        <p:nvCxnSpPr>
-          <p:cNvPr id="112" name="Elbow Connector 12"/>
-          <p:cNvCxnSpPr>
-            <a:cxnSpLocks/>
-            <a:stCxn id="109" idx="1"/>
-            <a:endCxn id="58" idx="3"/>
-          </p:cNvCxnSpPr>
-          <p:nvPr/>
-        </p:nvCxnSpPr>
-        <p:spPr>
-          <a:xfrm rot="10800000" flipV="1">
-            <a:off x="2964740" y="2540509"/>
-            <a:ext cx="209475" cy="1261"/>
-          </a:xfrm>
-          <a:prstGeom prst="bentConnector3">
-            <a:avLst>
-              <a:gd name="adj1" fmla="val 50000"/>
-            </a:avLst>
-          </a:prstGeom>
-          <a:ln w="19050">
-            <a:solidFill>
-              <a:schemeClr val="accent5">
-                <a:lumMod val="60000"/>
-                <a:lumOff val="40000"/>
-              </a:schemeClr>
-            </a:solidFill>
-            <a:prstDash val="sysDot"/>
-            <a:headEnd type="none" w="med" len="med"/>
-            <a:tailEnd type="arrow" w="med" len="med"/>
-          </a:ln>
-          <a:effectLst/>
-        </p:spPr>
-        <p:style>
-          <a:lnRef idx="1">
-            <a:schemeClr val="accent2"/>
-          </a:lnRef>
-          <a:fillRef idx="2">
-            <a:schemeClr val="accent2"/>
-          </a:fillRef>
-          <a:effectRef idx="1">
-            <a:schemeClr val="accent2"/>
-          </a:effectRef>
-          <a:fontRef idx="minor">
-            <a:schemeClr val="dk1"/>
-          </a:fontRef>
-        </p:style>
-      </p:cxnSp>
-      <p:cxnSp>
-        <p:nvCxnSpPr>
-          <p:cNvPr id="118" name="Elbow Connector 49"/>
-          <p:cNvCxnSpPr>
-            <a:cxnSpLocks/>
-            <a:stCxn id="56" idx="2"/>
-            <a:endCxn id="109" idx="0"/>
-          </p:cNvCxnSpPr>
-          <p:nvPr/>
-        </p:nvCxnSpPr>
-        <p:spPr>
-          <a:xfrm rot="5400000">
-            <a:off x="3469242" y="2289605"/>
-            <a:ext cx="160576" cy="476"/>
-          </a:xfrm>
-          <a:prstGeom prst="bentConnector3">
-            <a:avLst>
-              <a:gd name="adj1" fmla="val 50000"/>
-            </a:avLst>
-          </a:prstGeom>
-          <a:ln w="19050">
-            <a:solidFill>
-              <a:schemeClr val="accent5">
-                <a:lumMod val="60000"/>
-                <a:lumOff val="40000"/>
-              </a:schemeClr>
-            </a:solidFill>
-            <a:prstDash val="sysDot"/>
-            <a:headEnd type="none" w="med" len="med"/>
-            <a:tailEnd type="arrow" w="med" len="med"/>
-          </a:ln>
-          <a:effectLst/>
-        </p:spPr>
-        <p:style>
-          <a:lnRef idx="1">
-            <a:schemeClr val="accent2"/>
-          </a:lnRef>
-          <a:fillRef idx="2">
-            <a:schemeClr val="accent2"/>
-          </a:fillRef>
-          <a:effectRef idx="1">
-            <a:schemeClr val="accent2"/>
-          </a:effectRef>
-          <a:fontRef idx="minor">
-            <a:schemeClr val="dk1"/>
-          </a:fontRef>
-        </p:style>
-      </p:cxnSp>
-      <p:sp>
-        <p:nvSpPr>
-          <p:cNvPr id="86" name="Rectangle 62"/>
-          <p:cNvSpPr/>
-          <p:nvPr/>
-        </p:nvSpPr>
-        <p:spPr>
-          <a:xfrm>
-            <a:off x="1295065" y="4183424"/>
-            <a:ext cx="805984" cy="346760"/>
-          </a:xfrm>
-          <a:prstGeom prst="rect">
-            <a:avLst/>
-          </a:prstGeom>
-          <a:solidFill>
-            <a:srgbClr val="0070C0"/>
-          </a:solidFill>
-          <a:ln w="19050">
-            <a:solidFill>
-              <a:srgbClr val="0070C0"/>
-            </a:solidFill>
-          </a:ln>
-          <a:effectLst/>
-        </p:spPr>
-        <p:style>
-          <a:lnRef idx="1">
-            <a:schemeClr val="accent2"/>
-          </a:lnRef>
-          <a:fillRef idx="2">
-            <a:schemeClr val="accent2"/>
-          </a:fillRef>
-          <a:effectRef idx="1">
-            <a:schemeClr val="accent2"/>
-          </a:effectRef>
-          <a:fontRef idx="minor">
-            <a:schemeClr val="dk1"/>
-          </a:fontRef>
-        </p:style>
-        <p:txBody>
-          <a:bodyPr rtlCol="0" anchor="ctr"/>
-          <a:lstStyle/>
-          <a:p>
-            <a:pPr algn="ctr"/>
-            <a:r>
-              <a:rPr lang="en-US" sz="1050">
-                <a:solidFill>
-                  <a:schemeClr val="bg1"/>
-                </a:solidFill>
-              </a:rPr>
-              <a:t>Command</a:t>
-            </a:r>
-          </a:p>
-          <a:p>
-            <a:pPr algn="ctr"/>
-            <a:r>
-              <a:rPr lang="en-US" sz="1050" dirty="0">
-                <a:solidFill>
-                  <a:schemeClr val="bg1"/>
-                </a:solidFill>
-              </a:rPr>
-              <a:t>History</a:t>
-            </a:r>
-            <a:endParaRPr lang="en-SG" sz="1050" dirty="0">
+            <a:ln w="19050">
               <a:solidFill>
                 <a:schemeClr val="bg1"/>
               </a:solidFill>
-            </a:endParaRPr>
-          </a:p>
-        </p:txBody>
-      </p:sp>
-      <p:cxnSp>
-        <p:nvCxnSpPr>
-          <p:cNvPr id="88" name="Straight Arrow Connector 57"/>
-          <p:cNvCxnSpPr/>
-          <p:nvPr/>
-        </p:nvCxnSpPr>
-        <p:spPr>
-          <a:xfrm>
-            <a:off x="1971157" y="3939492"/>
-            <a:ext cx="2022" cy="240622"/>
-          </a:xfrm>
-          <a:prstGeom prst="straightConnector1">
-            <a:avLst/>
-          </a:prstGeom>
-          <a:ln w="19050">
-            <a:solidFill>
-              <a:srgbClr val="0070C0"/>
-            </a:solidFill>
-            <a:headEnd type="none" w="med" len="med"/>
-            <a:tailEnd type="arrow" w="med" len="med"/>
-          </a:ln>
-          <a:effectLst/>
-        </p:spPr>
-        <p:style>
-          <a:lnRef idx="1">
-            <a:schemeClr val="accent2"/>
-          </a:lnRef>
-          <a:fillRef idx="2">
-            <a:schemeClr val="accent2"/>
-          </a:fillRef>
-          <a:effectRef idx="1">
-            <a:schemeClr val="accent2"/>
-          </a:effectRef>
-          <a:fontRef idx="minor">
-            <a:schemeClr val="dk1"/>
-          </a:fontRef>
-        </p:style>
-      </p:cxnSp>
-      <p:sp>
-        <p:nvSpPr>
-          <p:cNvPr id="91" name="TextBox 90"/>
-          <p:cNvSpPr txBox="1"/>
-          <p:nvPr/>
-        </p:nvSpPr>
-        <p:spPr>
-          <a:xfrm>
-            <a:off x="1773980" y="4000395"/>
-            <a:ext cx="131116" cy="230832"/>
-          </a:xfrm>
-          <a:prstGeom prst="rect">
-            <a:avLst/>
-          </a:prstGeom>
-          <a:noFill/>
-        </p:spPr>
-        <p:txBody>
-          <a:bodyPr wrap="square" lIns="0" tIns="0" rIns="0" bIns="0" rtlCol="0">
-            <a:noAutofit/>
-          </a:bodyPr>
-          <a:lstStyle/>
-          <a:p>
-            <a:pPr algn="r"/>
-            <a:r>
-              <a:rPr lang="en-US" sz="1100" dirty="0">
-                <a:solidFill>
-                  <a:srgbClr val="0070C0"/>
-                </a:solidFill>
-              </a:rPr>
-              <a:t>1</a:t>
-            </a:r>
-            <a:endParaRPr lang="en-SG" sz="1100" dirty="0">
-              <a:solidFill>
-                <a:srgbClr val="0070C0"/>
-              </a:solidFill>
-            </a:endParaRPr>
-          </a:p>
-        </p:txBody>
-      </p:sp>
-      <p:sp>
-        <p:nvSpPr>
-          <p:cNvPr id="97" name="Rectangle 96">
-            <a:extLst>
-              <a:ext uri="{FF2B5EF4-FFF2-40B4-BE49-F238E27FC236}">
-                <a16:creationId xmlns:a16="http://schemas.microsoft.com/office/drawing/2014/main" id="{AADE6A0C-89AB-467B-8CEA-5FCF36CE0D21}"/>
-              </a:ext>
-            </a:extLst>
-          </p:cNvPr>
-          <p:cNvSpPr/>
-          <p:nvPr/>
-        </p:nvSpPr>
-        <p:spPr>
-          <a:xfrm flipH="1">
-            <a:off x="5067626" y="1981200"/>
-            <a:ext cx="998702" cy="346760"/>
-          </a:xfrm>
-          <a:prstGeom prst="rect">
-            <a:avLst/>
-          </a:prstGeom>
-          <a:solidFill>
-            <a:schemeClr val="accent5"/>
-          </a:solidFill>
-          <a:ln/>
-          <a:effectLst/>
-        </p:spPr>
-        <p:style>
-          <a:lnRef idx="1">
-            <a:schemeClr val="accent5"/>
-          </a:lnRef>
-          <a:fillRef idx="2">
-            <a:schemeClr val="accent5"/>
-          </a:fillRef>
-          <a:effectRef idx="1">
-            <a:schemeClr val="accent5"/>
-          </a:effectRef>
-          <a:fontRef idx="minor">
-            <a:schemeClr val="dk1"/>
-          </a:fontRef>
-        </p:style>
-        <p:txBody>
-          <a:bodyPr rtlCol="0" anchor="ctr"/>
-          <a:lstStyle/>
-          <a:p>
-            <a:pPr algn="ctr"/>
-            <a:r>
-              <a:rPr lang="en-US" sz="1050" b="1" dirty="0">
-                <a:solidFill>
-                  <a:schemeClr val="bg1"/>
-                </a:solidFill>
-              </a:rPr>
-              <a:t>&lt;&lt;interface&gt;&gt;</a:t>
-            </a:r>
-          </a:p>
-          <a:p>
-            <a:pPr algn="ctr"/>
-            <a:r>
-              <a:rPr lang="en-US" sz="1050" b="1" dirty="0">
-                <a:solidFill>
-                  <a:schemeClr val="bg1"/>
-                </a:solidFill>
-              </a:rPr>
-              <a:t>Parser</a:t>
-            </a:r>
-            <a:endParaRPr lang="en-SG" sz="1050" b="1" dirty="0">
-              <a:solidFill>
-                <a:schemeClr val="bg1"/>
-              </a:solidFill>
-            </a:endParaRPr>
-          </a:p>
-        </p:txBody>
-      </p:sp>
-      <p:sp>
-        <p:nvSpPr>
-          <p:cNvPr id="75" name="Isosceles Triangle 102"/>
-          <p:cNvSpPr/>
-          <p:nvPr/>
-        </p:nvSpPr>
-        <p:spPr>
-          <a:xfrm flipH="1">
-            <a:off x="5431725" y="2327960"/>
-            <a:ext cx="270504" cy="175523"/>
-          </a:xfrm>
-          <a:prstGeom prst="triangle">
-            <a:avLst/>
-          </a:prstGeom>
-          <a:ln w="12700"/>
-        </p:spPr>
-        <p:style>
-          <a:lnRef idx="2">
-            <a:schemeClr val="accent5">
-              <a:shade val="50000"/>
-            </a:schemeClr>
-          </a:lnRef>
-          <a:fillRef idx="1">
-            <a:schemeClr val="accent5"/>
-          </a:fillRef>
-          <a:effectRef idx="0">
-            <a:schemeClr val="accent5"/>
-          </a:effectRef>
-          <a:fontRef idx="minor">
-            <a:schemeClr val="lt1"/>
-          </a:fontRef>
-        </p:style>
-        <p:txBody>
-          <a:bodyPr rtlCol="0" anchor="ctr"/>
-          <a:lstStyle/>
-          <a:p>
-            <a:pPr algn="ctr"/>
-            <a:endParaRPr lang="en-SG" sz="1050" b="1">
-              <a:solidFill>
-                <a:srgbClr val="92D050"/>
-              </a:solidFill>
-            </a:endParaRPr>
-          </a:p>
-        </p:txBody>
-      </p:sp>
-      <p:grpSp>
-        <p:nvGrpSpPr>
-          <p:cNvPr id="85" name="Group 84"/>
-          <p:cNvGrpSpPr/>
-          <p:nvPr/>
-        </p:nvGrpSpPr>
-        <p:grpSpPr>
-          <a:xfrm rot="5400000">
-            <a:off x="6371505" y="2788428"/>
-            <a:ext cx="222304" cy="598286"/>
-            <a:chOff x="3965759" y="592436"/>
-            <a:chExt cx="254462" cy="503902"/>
-          </a:xfrm>
-        </p:grpSpPr>
-        <p:sp>
-          <p:nvSpPr>
-            <p:cNvPr id="89" name="TextBox 88"/>
-            <p:cNvSpPr txBox="1"/>
-            <p:nvPr/>
-          </p:nvSpPr>
-          <p:spPr>
-            <a:xfrm rot="16200000">
-              <a:off x="3841039" y="717156"/>
-              <a:ext cx="503902" cy="254462"/>
-            </a:xfrm>
-            <a:prstGeom prst="rect">
-              <a:avLst/>
-            </a:prstGeom>
-            <a:noFill/>
-          </p:spPr>
-          <p:txBody>
-            <a:bodyPr wrap="square" lIns="0" tIns="0" rIns="0" bIns="0" rtlCol="0">
-              <a:noAutofit/>
-            </a:bodyPr>
-            <a:lstStyle/>
-            <a:p>
-              <a:r>
-                <a:rPr lang="en-US" sz="1100" dirty="0">
-                  <a:solidFill>
-                    <a:schemeClr val="accent5">
-                      <a:lumMod val="75000"/>
-                    </a:schemeClr>
-                  </a:solidFill>
-                </a:rPr>
-                <a:t>creates</a:t>
-              </a:r>
-              <a:endParaRPr lang="en-SG" sz="1100" dirty="0">
-                <a:solidFill>
-                  <a:schemeClr val="accent5">
-                    <a:lumMod val="75000"/>
-                  </a:schemeClr>
-                </a:solidFill>
-              </a:endParaRPr>
-            </a:p>
-          </p:txBody>
-        </p:sp>
-        <p:sp>
-          <p:nvSpPr>
-            <p:cNvPr id="92" name="Isosceles Triangle 91"/>
-            <p:cNvSpPr/>
-            <p:nvPr/>
-          </p:nvSpPr>
-          <p:spPr>
-            <a:xfrm rot="10800000" flipV="1">
-              <a:off x="3995991" y="631624"/>
-              <a:ext cx="132157" cy="79956"/>
-            </a:xfrm>
-            <a:prstGeom prst="triangle">
-              <a:avLst/>
-            </a:prstGeom>
-            <a:solidFill>
-              <a:schemeClr val="accent5">
-                <a:lumMod val="75000"/>
-              </a:schemeClr>
-            </a:solidFill>
-            <a:ln>
-              <a:noFill/>
             </a:ln>
+            <a:effectLst/>
           </p:spPr>
           <p:style>
-            <a:lnRef idx="2">
-              <a:schemeClr val="accent1">
-                <a:shade val="50000"/>
-              </a:schemeClr>
+            <a:lnRef idx="1">
+              <a:schemeClr val="accent2"/>
             </a:lnRef>
-            <a:fillRef idx="1">
-              <a:schemeClr val="accent1"/>
+            <a:fillRef idx="2">
+              <a:schemeClr val="accent2"/>
             </a:fillRef>
-            <a:effectRef idx="0">
-              <a:schemeClr val="accent1"/>
+            <a:effectRef idx="1">
+              <a:schemeClr val="accent2"/>
             </a:effectRef>
             <a:fontRef idx="minor">
-              <a:schemeClr val="lt1"/>
+              <a:schemeClr val="dk1"/>
             </a:fontRef>
           </p:style>
           <p:txBody>
@@ -5729,497 +6180,58 @@
             <a:lstStyle/>
             <a:p>
               <a:pPr algn="ctr"/>
-              <a:endParaRPr lang="en-SG"/>
+              <a:r>
+                <a:rPr lang="en-US" sz="1050" dirty="0" err="1">
+                  <a:solidFill>
+                    <a:schemeClr val="bg1"/>
+                  </a:solidFill>
+                </a:rPr>
+                <a:t>XYZCommand</a:t>
+              </a:r>
+              <a:r>
+                <a:rPr lang="en-US" sz="1050" dirty="0">
+                  <a:solidFill>
+                    <a:schemeClr val="bg1"/>
+                  </a:solidFill>
+                </a:rPr>
+                <a:t> = </a:t>
+              </a:r>
+              <a:r>
+                <a:rPr lang="en-US" sz="1050" dirty="0" err="1">
+                  <a:solidFill>
+                    <a:schemeClr val="bg1"/>
+                  </a:solidFill>
+                </a:rPr>
+                <a:t>AddCommand</a:t>
+              </a:r>
+              <a:r>
+                <a:rPr lang="en-US" sz="1050" dirty="0">
+                  <a:solidFill>
+                    <a:schemeClr val="bg1"/>
+                  </a:solidFill>
+                </a:rPr>
+                <a:t>, </a:t>
+              </a:r>
+              <a:r>
+                <a:rPr lang="en-US" sz="1050" dirty="0" err="1">
+                  <a:solidFill>
+                    <a:schemeClr val="bg1"/>
+                  </a:solidFill>
+                </a:rPr>
+                <a:t>FindCommand</a:t>
+              </a:r>
+              <a:r>
+                <a:rPr lang="en-US" sz="1050" dirty="0">
+                  <a:solidFill>
+                    <a:schemeClr val="bg1"/>
+                  </a:solidFill>
+                </a:rPr>
+                <a:t>, etc.</a:t>
+              </a:r>
             </a:p>
           </p:txBody>
         </p:sp>
       </p:grpSp>
-      <p:cxnSp>
-        <p:nvCxnSpPr>
-          <p:cNvPr id="95" name="Straight Connector 94"/>
-          <p:cNvCxnSpPr/>
-          <p:nvPr/>
-        </p:nvCxnSpPr>
-        <p:spPr>
-          <a:xfrm>
-            <a:off x="2893971" y="3687139"/>
-            <a:ext cx="361447" cy="0"/>
-          </a:xfrm>
-          <a:prstGeom prst="line">
-            <a:avLst/>
-          </a:prstGeom>
-          <a:ln w="19050">
-            <a:solidFill>
-              <a:srgbClr val="0070C0"/>
-            </a:solidFill>
-            <a:prstDash val="solid"/>
-            <a:headEnd type="none" w="med" len="med"/>
-            <a:tailEnd type="arrow" w="med" len="med"/>
-          </a:ln>
-          <a:effectLst/>
-        </p:spPr>
-        <p:style>
-          <a:lnRef idx="1">
-            <a:schemeClr val="accent2"/>
-          </a:lnRef>
-          <a:fillRef idx="2">
-            <a:schemeClr val="accent2"/>
-          </a:fillRef>
-          <a:effectRef idx="1">
-            <a:schemeClr val="accent2"/>
-          </a:effectRef>
-          <a:fontRef idx="minor">
-            <a:schemeClr val="dk1"/>
-          </a:fontRef>
-        </p:style>
-      </p:cxnSp>
-      <p:sp>
-        <p:nvSpPr>
-          <p:cNvPr id="42" name="Rectangle 11"/>
-          <p:cNvSpPr/>
-          <p:nvPr/>
-        </p:nvSpPr>
-        <p:spPr>
-          <a:xfrm flipH="1">
-            <a:off x="5074342" y="2740811"/>
-            <a:ext cx="991986" cy="346760"/>
-          </a:xfrm>
-          <a:prstGeom prst="rect">
-            <a:avLst/>
-          </a:prstGeom>
-          <a:solidFill>
-            <a:schemeClr val="accent5">
-              <a:alpha val="81000"/>
-            </a:schemeClr>
-          </a:solidFill>
-          <a:ln/>
-          <a:effectLst/>
-        </p:spPr>
-        <p:style>
-          <a:lnRef idx="1">
-            <a:schemeClr val="accent5"/>
-          </a:lnRef>
-          <a:fillRef idx="2">
-            <a:schemeClr val="accent5"/>
-          </a:fillRef>
-          <a:effectRef idx="1">
-            <a:schemeClr val="accent5"/>
-          </a:effectRef>
-          <a:fontRef idx="minor">
-            <a:schemeClr val="dk1"/>
-          </a:fontRef>
-        </p:style>
-        <p:txBody>
-          <a:bodyPr rtlCol="0" anchor="ctr"/>
-          <a:lstStyle/>
-          <a:p>
-            <a:pPr algn="ctr"/>
-            <a:r>
-              <a:rPr lang="en-US" sz="1050" b="1" dirty="0" err="1" smtClean="0">
-                <a:solidFill>
-                  <a:schemeClr val="bg1"/>
-                </a:solidFill>
-              </a:rPr>
-              <a:t>XYZCommand</a:t>
-            </a:r>
-            <a:endParaRPr lang="en-US" sz="1050" b="1" dirty="0">
-              <a:solidFill>
-                <a:schemeClr val="bg1"/>
-              </a:solidFill>
-            </a:endParaRPr>
-          </a:p>
-          <a:p>
-            <a:pPr algn="ctr"/>
-            <a:r>
-              <a:rPr lang="en-US" sz="1050" b="1" dirty="0">
-                <a:solidFill>
-                  <a:schemeClr val="bg1"/>
-                </a:solidFill>
-              </a:rPr>
-              <a:t>Parser</a:t>
-            </a:r>
-            <a:endParaRPr lang="en-SG" sz="1050" b="1" dirty="0">
-              <a:solidFill>
-                <a:schemeClr val="bg1"/>
-              </a:solidFill>
-            </a:endParaRPr>
-          </a:p>
-        </p:txBody>
-      </p:sp>
-      <p:cxnSp>
-        <p:nvCxnSpPr>
-          <p:cNvPr id="101" name="Elbow Connector 12"/>
-          <p:cNvCxnSpPr>
-            <a:cxnSpLocks/>
-            <a:stCxn id="42" idx="3"/>
-          </p:cNvCxnSpPr>
-          <p:nvPr/>
-        </p:nvCxnSpPr>
-        <p:spPr>
-          <a:xfrm rot="10800000">
-            <a:off x="3917734" y="2058661"/>
-            <a:ext cx="1156608" cy="855530"/>
-          </a:xfrm>
-          <a:prstGeom prst="bentConnector3">
-            <a:avLst>
-              <a:gd name="adj1" fmla="val 50000"/>
-            </a:avLst>
-          </a:prstGeom>
-          <a:ln w="19050">
-            <a:solidFill>
-              <a:schemeClr val="accent5">
-                <a:lumMod val="60000"/>
-                <a:lumOff val="40000"/>
-              </a:schemeClr>
-            </a:solidFill>
-            <a:prstDash val="sysDot"/>
-            <a:headEnd type="none" w="med" len="med"/>
-            <a:tailEnd type="arrow" w="med" len="med"/>
-          </a:ln>
-          <a:effectLst/>
-        </p:spPr>
-        <p:style>
-          <a:lnRef idx="1">
-            <a:schemeClr val="accent2"/>
-          </a:lnRef>
-          <a:fillRef idx="2">
-            <a:schemeClr val="accent2"/>
-          </a:fillRef>
-          <a:effectRef idx="1">
-            <a:schemeClr val="accent2"/>
-          </a:effectRef>
-          <a:fontRef idx="minor">
-            <a:schemeClr val="dk1"/>
-          </a:fontRef>
-        </p:style>
-      </p:cxnSp>
-      <p:cxnSp>
-        <p:nvCxnSpPr>
-          <p:cNvPr id="102" name="Elbow Connector 12"/>
-          <p:cNvCxnSpPr>
-            <a:cxnSpLocks/>
-            <a:stCxn id="42" idx="3"/>
-          </p:cNvCxnSpPr>
-          <p:nvPr/>
-        </p:nvCxnSpPr>
-        <p:spPr>
-          <a:xfrm rot="10800000">
-            <a:off x="3921964" y="2540511"/>
-            <a:ext cx="1152379" cy="373681"/>
-          </a:xfrm>
-          <a:prstGeom prst="bentConnector3">
-            <a:avLst>
-              <a:gd name="adj1" fmla="val 50000"/>
-            </a:avLst>
-          </a:prstGeom>
-          <a:ln w="19050">
-            <a:solidFill>
-              <a:schemeClr val="accent5">
-                <a:lumMod val="60000"/>
-                <a:lumOff val="40000"/>
-              </a:schemeClr>
-            </a:solidFill>
-            <a:prstDash val="sysDot"/>
-            <a:headEnd type="none" w="med" len="med"/>
-            <a:tailEnd type="arrow" w="med" len="med"/>
-          </a:ln>
-          <a:effectLst/>
-        </p:spPr>
-        <p:style>
-          <a:lnRef idx="1">
-            <a:schemeClr val="accent2"/>
-          </a:lnRef>
-          <a:fillRef idx="2">
-            <a:schemeClr val="accent2"/>
-          </a:fillRef>
-          <a:effectRef idx="1">
-            <a:schemeClr val="accent2"/>
-          </a:effectRef>
-          <a:fontRef idx="minor">
-            <a:schemeClr val="dk1"/>
-          </a:fontRef>
-        </p:style>
-      </p:cxnSp>
-      <p:cxnSp>
-        <p:nvCxnSpPr>
-          <p:cNvPr id="103" name="Elbow Connector 12"/>
-          <p:cNvCxnSpPr>
-            <a:cxnSpLocks/>
-            <a:stCxn id="42" idx="3"/>
-          </p:cNvCxnSpPr>
-          <p:nvPr/>
-        </p:nvCxnSpPr>
-        <p:spPr>
-          <a:xfrm rot="10800000" flipV="1">
-            <a:off x="3926192" y="2914191"/>
-            <a:ext cx="1148150" cy="108168"/>
-          </a:xfrm>
-          <a:prstGeom prst="bentConnector3">
-            <a:avLst>
-              <a:gd name="adj1" fmla="val 50000"/>
-            </a:avLst>
-          </a:prstGeom>
-          <a:ln w="19050">
-            <a:solidFill>
-              <a:schemeClr val="accent5">
-                <a:lumMod val="60000"/>
-                <a:lumOff val="40000"/>
-              </a:schemeClr>
-            </a:solidFill>
-            <a:prstDash val="sysDot"/>
-            <a:headEnd type="none" w="med" len="med"/>
-            <a:tailEnd type="arrow" w="med" len="med"/>
-          </a:ln>
-          <a:effectLst/>
-        </p:spPr>
-        <p:style>
-          <a:lnRef idx="1">
-            <a:schemeClr val="accent2"/>
-          </a:lnRef>
-          <a:fillRef idx="2">
-            <a:schemeClr val="accent2"/>
-          </a:fillRef>
-          <a:effectRef idx="1">
-            <a:schemeClr val="accent2"/>
-          </a:effectRef>
-          <a:fontRef idx="minor">
-            <a:schemeClr val="dk1"/>
-          </a:fontRef>
-        </p:style>
-      </p:cxnSp>
-      <p:cxnSp>
-        <p:nvCxnSpPr>
-          <p:cNvPr id="104" name="Elbow Connector 12"/>
-          <p:cNvCxnSpPr>
-            <a:cxnSpLocks/>
-            <a:stCxn id="42" idx="3"/>
-          </p:cNvCxnSpPr>
-          <p:nvPr/>
-        </p:nvCxnSpPr>
-        <p:spPr>
-          <a:xfrm rot="10800000" flipV="1">
-            <a:off x="3930422" y="2914191"/>
-            <a:ext cx="1143921" cy="439870"/>
-          </a:xfrm>
-          <a:prstGeom prst="bentConnector3">
-            <a:avLst>
-              <a:gd name="adj1" fmla="val 50000"/>
-            </a:avLst>
-          </a:prstGeom>
-          <a:ln w="19050">
-            <a:solidFill>
-              <a:schemeClr val="accent5">
-                <a:lumMod val="60000"/>
-                <a:lumOff val="40000"/>
-              </a:schemeClr>
-            </a:solidFill>
-            <a:prstDash val="sysDot"/>
-            <a:headEnd type="none" w="med" len="med"/>
-            <a:tailEnd type="arrow" w="med" len="med"/>
-          </a:ln>
-          <a:effectLst/>
-        </p:spPr>
-        <p:style>
-          <a:lnRef idx="1">
-            <a:schemeClr val="accent2"/>
-          </a:lnRef>
-          <a:fillRef idx="2">
-            <a:schemeClr val="accent2"/>
-          </a:fillRef>
-          <a:effectRef idx="1">
-            <a:schemeClr val="accent2"/>
-          </a:effectRef>
-          <a:fontRef idx="minor">
-            <a:schemeClr val="dk1"/>
-          </a:fontRef>
-        </p:style>
-      </p:cxnSp>
-      <p:cxnSp>
-        <p:nvCxnSpPr>
-          <p:cNvPr id="51" name="Elbow Connector 50"/>
-          <p:cNvCxnSpPr>
-            <a:stCxn id="16" idx="3"/>
-            <a:endCxn id="42" idx="2"/>
-          </p:cNvCxnSpPr>
-          <p:nvPr/>
-        </p:nvCxnSpPr>
-        <p:spPr>
-          <a:xfrm flipV="1">
-            <a:off x="4300741" y="3087571"/>
-            <a:ext cx="1269594" cy="659673"/>
-          </a:xfrm>
-          <a:prstGeom prst="bentConnector2">
-            <a:avLst/>
-          </a:prstGeom>
-          <a:ln w="19050">
-            <a:solidFill>
-              <a:schemeClr val="accent5">
-                <a:lumMod val="75000"/>
-              </a:schemeClr>
-            </a:solidFill>
-            <a:prstDash val="sysDot"/>
-            <a:headEnd type="none" w="med" len="med"/>
-            <a:tailEnd type="arrow" w="med" len="med"/>
-          </a:ln>
-          <a:effectLst/>
-        </p:spPr>
-        <p:style>
-          <a:lnRef idx="1">
-            <a:schemeClr val="accent2"/>
-          </a:lnRef>
-          <a:fillRef idx="2">
-            <a:schemeClr val="accent2"/>
-          </a:fillRef>
-          <a:effectRef idx="1">
-            <a:schemeClr val="accent2"/>
-          </a:effectRef>
-          <a:fontRef idx="minor">
-            <a:schemeClr val="dk1"/>
-          </a:fontRef>
-        </p:style>
-      </p:cxnSp>
-      <p:cxnSp>
-        <p:nvCxnSpPr>
-          <p:cNvPr id="83" name="Elbow Connector 82"/>
-          <p:cNvCxnSpPr>
-            <a:endCxn id="42" idx="0"/>
-          </p:cNvCxnSpPr>
-          <p:nvPr/>
-        </p:nvCxnSpPr>
-        <p:spPr>
-          <a:xfrm rot="16200000" flipH="1">
-            <a:off x="5451193" y="2621669"/>
-            <a:ext cx="234926" cy="3358"/>
-          </a:xfrm>
-          <a:prstGeom prst="bentConnector3">
-            <a:avLst/>
-          </a:prstGeom>
-          <a:ln>
-            <a:solidFill>
-              <a:schemeClr val="accent5">
-                <a:lumMod val="75000"/>
-              </a:schemeClr>
-            </a:solidFill>
-            <a:prstDash val="sysDot"/>
-          </a:ln>
-        </p:spPr>
-        <p:style>
-          <a:lnRef idx="1">
-            <a:schemeClr val="accent1"/>
-          </a:lnRef>
-          <a:fillRef idx="0">
-            <a:schemeClr val="accent1"/>
-          </a:fillRef>
-          <a:effectRef idx="0">
-            <a:schemeClr val="accent1"/>
-          </a:effectRef>
-          <a:fontRef idx="minor">
-            <a:schemeClr val="tx1"/>
-          </a:fontRef>
-        </p:style>
-      </p:cxnSp>
-      <p:sp>
-        <p:nvSpPr>
-          <p:cNvPr id="127" name="Folded Corner 126"/>
-          <p:cNvSpPr/>
-          <p:nvPr/>
-        </p:nvSpPr>
-        <p:spPr>
-          <a:xfrm>
-            <a:off x="6263130" y="1981200"/>
-            <a:ext cx="1276614" cy="630473"/>
-          </a:xfrm>
-          <a:prstGeom prst="foldedCorner">
-            <a:avLst/>
-          </a:prstGeom>
-          <a:solidFill>
-            <a:schemeClr val="accent5">
-              <a:lumMod val="60000"/>
-              <a:lumOff val="40000"/>
-            </a:schemeClr>
-          </a:solidFill>
-          <a:ln w="19050">
-            <a:solidFill>
-              <a:schemeClr val="bg1"/>
-            </a:solidFill>
-          </a:ln>
-          <a:effectLst/>
-        </p:spPr>
-        <p:style>
-          <a:lnRef idx="1">
-            <a:schemeClr val="accent2"/>
-          </a:lnRef>
-          <a:fillRef idx="2">
-            <a:schemeClr val="accent2"/>
-          </a:fillRef>
-          <a:effectRef idx="1">
-            <a:schemeClr val="accent2"/>
-          </a:effectRef>
-          <a:fontRef idx="minor">
-            <a:schemeClr val="dk1"/>
-          </a:fontRef>
-        </p:style>
-        <p:txBody>
-          <a:bodyPr rtlCol="0" anchor="ctr"/>
-          <a:lstStyle/>
-          <a:p>
-            <a:pPr algn="ctr"/>
-            <a:r>
-              <a:rPr lang="en-US" sz="1050" dirty="0" err="1" smtClean="0">
-                <a:solidFill>
-                  <a:schemeClr val="bg1"/>
-                </a:solidFill>
-              </a:rPr>
-              <a:t>XYZCommand</a:t>
-            </a:r>
-            <a:r>
-              <a:rPr lang="en-US" sz="1050" dirty="0" smtClean="0">
-                <a:solidFill>
-                  <a:schemeClr val="bg1"/>
-                </a:solidFill>
-              </a:rPr>
-              <a:t> = </a:t>
-            </a:r>
-            <a:r>
-              <a:rPr lang="en-US" sz="1050" dirty="0" err="1" smtClean="0">
-                <a:solidFill>
-                  <a:schemeClr val="bg1"/>
-                </a:solidFill>
-              </a:rPr>
-              <a:t>AddCommand</a:t>
-            </a:r>
-            <a:r>
-              <a:rPr lang="en-US" sz="1050" dirty="0" smtClean="0">
-                <a:solidFill>
-                  <a:schemeClr val="bg1"/>
-                </a:solidFill>
-              </a:rPr>
-              <a:t>, </a:t>
-            </a:r>
-            <a:r>
-              <a:rPr lang="en-US" sz="1050" dirty="0" err="1" smtClean="0">
-                <a:solidFill>
-                  <a:schemeClr val="bg1"/>
-                </a:solidFill>
-              </a:rPr>
-              <a:t>FindCommand</a:t>
-            </a:r>
-            <a:r>
-              <a:rPr lang="en-US" sz="1050" dirty="0" smtClean="0">
-                <a:solidFill>
-                  <a:schemeClr val="bg1"/>
-                </a:solidFill>
-              </a:rPr>
-              <a:t>, etc.</a:t>
-            </a:r>
-            <a:endParaRPr lang="en-US" sz="1050" dirty="0">
-              <a:solidFill>
-                <a:schemeClr val="bg1"/>
-              </a:solidFill>
-            </a:endParaRPr>
-          </a:p>
-        </p:txBody>
-      </p:sp>
     </p:spTree>
     <p:extLst>
       <p:ext uri="{BB962C8B-B14F-4D97-AF65-F5344CB8AC3E}">
